--- a/eucnc-june17/eucnc17-poster.pptx
+++ b/eucnc-june17/eucnc17-poster.pptx
@@ -3064,6 +3064,7 @@
             </a:endParaRPr>
           </a:p>
           <a:p>
+            <a:pPr algn="ctr"/>
             <a:r>
               <a:rPr lang="en-US" sz="3200" dirty="0" smtClean="0">
                 <a:solidFill>
@@ -3125,7 +3126,42 @@
                 </a:solidFill>
                 <a:latin typeface="Helvetica Neue"/>
               </a:rPr>
-              <a:t> in a transport-protocol-independent way: see </a:t>
+              <a:t> </a:t>
+            </a:r>
+            <a:r>
+              <a:rPr lang="en-US" sz="3200" dirty="0" smtClean="0">
+                <a:solidFill>
+                  <a:schemeClr val="tx1"/>
+                </a:solidFill>
+                <a:latin typeface="Helvetica Neue"/>
+              </a:rPr>
+              <a:t/>
+            </a:r>
+            <a:br>
+              <a:rPr lang="en-US" sz="3200" dirty="0" smtClean="0">
+                <a:solidFill>
+                  <a:schemeClr val="tx1"/>
+                </a:solidFill>
+                <a:latin typeface="Helvetica Neue"/>
+              </a:rPr>
+            </a:br>
+            <a:r>
+              <a:rPr lang="en-US" sz="3200" dirty="0" smtClean="0">
+                <a:solidFill>
+                  <a:schemeClr val="tx1"/>
+                </a:solidFill>
+                <a:latin typeface="Helvetica Neue"/>
+              </a:rPr>
+              <a:t>in </a:t>
+            </a:r>
+            <a:r>
+              <a:rPr lang="en-US" sz="3200" dirty="0">
+                <a:solidFill>
+                  <a:schemeClr val="tx1"/>
+                </a:solidFill>
+                <a:latin typeface="Helvetica Neue"/>
+              </a:rPr>
+              <a:t>a transport-protocol-independent way: see </a:t>
             </a:r>
             <a:r>
               <a:rPr lang="en-US" sz="3200" dirty="0">

--- a/eucnc-june17/eucnc17-poster.pptx
+++ b/eucnc-june17/eucnc17-poster.pptx
@@ -2216,26 +2216,50 @@
                 </a:solidFill>
                 <a:latin typeface="Helvetica Neue"/>
               </a:rPr>
-              <a:t>often based on </a:t>
-            </a:r>
-            <a:r>
-              <a:rPr lang="en-US" sz="3200" b="1" dirty="0" smtClean="0">
-                <a:solidFill>
-                  <a:schemeClr val="tx1"/>
-                </a:solidFill>
-                <a:latin typeface="Helvetica Neue"/>
-              </a:rPr>
-              <a:t>clear text information</a:t>
-            </a:r>
-            <a:r>
-              <a:rPr lang="en-US" sz="3200" dirty="0" smtClean="0">
-                <a:solidFill>
-                  <a:schemeClr val="tx1"/>
-                </a:solidFill>
-                <a:latin typeface="Helvetica Neue"/>
-              </a:rPr>
-              <a:t> in protocol headers/payload </a:t>
-            </a:r>
+              <a:t>often </a:t>
+            </a:r>
+            <a:r>
+              <a:rPr lang="en-US" sz="3200" dirty="0" err="1">
+                <a:solidFill>
+                  <a:schemeClr val="tx1"/>
+                </a:solidFill>
+                <a:latin typeface="Helvetica Neue"/>
+              </a:rPr>
+              <a:t>utilising</a:t>
+            </a:r>
+            <a:r>
+              <a:rPr lang="en-US" sz="3200" dirty="0">
+                <a:solidFill>
+                  <a:schemeClr val="tx1"/>
+                </a:solidFill>
+                <a:latin typeface="Helvetica Neue"/>
+              </a:rPr>
+              <a:t> </a:t>
+            </a:r>
+            <a:r>
+              <a:rPr lang="en-US" sz="3200" b="1" dirty="0">
+                <a:solidFill>
+                  <a:schemeClr val="tx1"/>
+                </a:solidFill>
+                <a:latin typeface="Helvetica Neue"/>
+              </a:rPr>
+              <a:t>clear text information </a:t>
+            </a:r>
+            <a:r>
+              <a:rPr lang="en-US" sz="3200" dirty="0">
+                <a:solidFill>
+                  <a:schemeClr val="tx1"/>
+                </a:solidFill>
+                <a:latin typeface="Helvetica Neue"/>
+              </a:rPr>
+              <a:t>in protocol headers/payload</a:t>
+            </a:r>
+            <a:endParaRPr lang="en-US" sz="3200" dirty="0" smtClean="0">
+              <a:solidFill>
+                <a:schemeClr val="tx1"/>
+              </a:solidFill>
+              <a:latin typeface="Helvetica Neue"/>
+            </a:endParaRPr>
           </a:p>
           <a:p>
             <a:pPr marL="457200" indent="-457200">
@@ -2358,32 +2382,20 @@
           </a:p>
           <a:p>
             <a:r>
-              <a:rPr lang="en-US" sz="3200" dirty="0" smtClean="0">
-                <a:solidFill>
-                  <a:schemeClr val="tx1"/>
-                </a:solidFill>
-                <a:latin typeface="Helvetica Neue"/>
-              </a:rPr>
-              <a:t>Three driving forces that presents a </a:t>
-            </a:r>
-            <a:r>
               <a:rPr lang="en-US" sz="3200" dirty="0">
                 <a:solidFill>
                   <a:schemeClr val="tx1"/>
                 </a:solidFill>
                 <a:latin typeface="Helvetica Neue"/>
               </a:rPr>
-              <a:t>need for architectural </a:t>
-            </a:r>
-            <a:r>
-              <a:rPr lang="en-US" sz="3200" dirty="0" smtClean="0">
-                <a:solidFill>
-                  <a:schemeClr val="tx1"/>
-                </a:solidFill>
-                <a:latin typeface="Helvetica Neue"/>
-              </a:rPr>
-              <a:t>changes:</a:t>
-            </a:r>
+              <a:t>Three driving forces presents a need for an architectural change:</a:t>
+            </a:r>
+            <a:endParaRPr lang="en-US" sz="3200" dirty="0" smtClean="0">
+              <a:solidFill>
+                <a:schemeClr val="tx1"/>
+              </a:solidFill>
+              <a:latin typeface="Helvetica Neue"/>
+            </a:endParaRPr>
           </a:p>
           <a:p>
             <a:endParaRPr lang="de-DE" sz="3200" dirty="0">
@@ -2472,22 +2484,13 @@
               </a:spcBef>
             </a:pPr>
             <a:r>
-              <a:rPr lang="en-US" sz="3200" dirty="0">
-                <a:solidFill>
-                  <a:schemeClr val="tx1"/>
-                </a:solidFill>
-                <a:latin typeface="Helvetica Neue"/>
-              </a:rPr>
-              <a:t>This raises </a:t>
-            </a:r>
-            <a:r>
-              <a:rPr lang="en-US" sz="3200" dirty="0" smtClean="0">
-                <a:solidFill>
-                  <a:schemeClr val="tx1"/>
-                </a:solidFill>
-                <a:latin typeface="Helvetica Neue"/>
-              </a:rPr>
-              <a:t>new questions on the design of transport protocols: </a:t>
+              <a:rPr lang="en-US" sz="3200" dirty="0" smtClean="0">
+                <a:solidFill>
+                  <a:schemeClr val="tx1"/>
+                </a:solidFill>
+                <a:latin typeface="Helvetica Neue"/>
+              </a:rPr>
+              <a:t>This raises new questions on the design of transport protocols: </a:t>
             </a:r>
           </a:p>
           <a:p>
@@ -2499,40 +2502,13 @@
               <a:buChar char="•"/>
             </a:pPr>
             <a:r>
-              <a:rPr lang="en-US" sz="3200" dirty="0">
-                <a:solidFill>
-                  <a:schemeClr val="tx1"/>
-                </a:solidFill>
-                <a:latin typeface="Helvetica Neue"/>
-              </a:rPr>
-              <a:t>H</a:t>
-            </a:r>
-            <a:r>
-              <a:rPr lang="en-US" sz="3200" dirty="0" smtClean="0">
-                <a:solidFill>
-                  <a:schemeClr val="tx1"/>
-                </a:solidFill>
-                <a:latin typeface="Helvetica Neue"/>
-              </a:rPr>
-              <a:t>ow does encryption impact </a:t>
-            </a:r>
-            <a:r>
-              <a:rPr lang="en-US" sz="3200" dirty="0">
-                <a:solidFill>
-                  <a:schemeClr val="tx1"/>
-                </a:solidFill>
-                <a:latin typeface="Helvetica Neue"/>
-              </a:rPr>
-              <a:t>existing deployed </a:t>
-            </a:r>
-            <a:r>
-              <a:rPr lang="en-US" sz="3200" dirty="0" smtClean="0">
-                <a:solidFill>
-                  <a:schemeClr val="tx1"/>
-                </a:solidFill>
-                <a:latin typeface="Helvetica Neue"/>
-              </a:rPr>
-              <a:t>infrastructure?</a:t>
+              <a:rPr lang="en-US" sz="3200" dirty="0" smtClean="0">
+                <a:solidFill>
+                  <a:schemeClr val="tx1"/>
+                </a:solidFill>
+                <a:latin typeface="Helvetica Neue"/>
+              </a:rPr>
+              <a:t>How does encryption impact existing deployed infrastructure?</a:t>
             </a:r>
           </a:p>
           <a:p>
@@ -2544,47 +2520,14 @@
               <a:buChar char="•"/>
             </a:pPr>
             <a:r>
-              <a:rPr lang="en-US" sz="3200" dirty="0">
-                <a:solidFill>
-                  <a:schemeClr val="tx1"/>
-                </a:solidFill>
-                <a:latin typeface="Helvetica Neue"/>
-              </a:rPr>
-              <a:t>W</a:t>
-            </a:r>
-            <a:r>
-              <a:rPr lang="en-US" sz="3200" dirty="0" smtClean="0">
-                <a:solidFill>
-                  <a:schemeClr val="tx1"/>
-                </a:solidFill>
-                <a:latin typeface="Helvetica Neue"/>
-              </a:rPr>
-              <a:t>hat </a:t>
-            </a:r>
-            <a:r>
-              <a:rPr lang="en-US" sz="3200" dirty="0">
-                <a:solidFill>
-                  <a:schemeClr val="tx1"/>
-                </a:solidFill>
-                <a:latin typeface="Helvetica Neue"/>
-              </a:rPr>
-              <a:t>options may exist to design new </a:t>
-            </a:r>
-            <a:r>
-              <a:rPr lang="en-US" sz="3200" dirty="0" smtClean="0">
-                <a:solidFill>
-                  <a:schemeClr val="tx1"/>
-                </a:solidFill>
-                <a:latin typeface="Helvetica Neue"/>
-              </a:rPr>
-              <a:t>protocols with explicit support for certain in-network function? </a:t>
-            </a:r>
-            <a:endParaRPr lang="en-US" sz="3200" dirty="0">
-              <a:solidFill>
-                <a:schemeClr val="tx1"/>
-              </a:solidFill>
-              <a:latin typeface="Helvetica Neue"/>
-            </a:endParaRPr>
+              <a:rPr lang="en-US" sz="3200" dirty="0" smtClean="0">
+                <a:solidFill>
+                  <a:schemeClr val="tx1"/>
+                </a:solidFill>
+                <a:latin typeface="Helvetica Neue"/>
+              </a:rPr>
+              <a:t>What options exist to design new protocols with explicit support for certain in-network function? </a:t>
+            </a:r>
           </a:p>
           <a:p>
             <a:pPr marL="457200" indent="-457200">
@@ -2595,33 +2538,15 @@
               <a:buChar char="•"/>
             </a:pPr>
             <a:r>
-              <a:rPr lang="en-US" sz="3200" dirty="0" smtClean="0">
-                <a:solidFill>
-                  <a:schemeClr val="tx1"/>
-                </a:solidFill>
-                <a:latin typeface="Helvetica Neue"/>
-              </a:rPr>
-              <a:t>What </a:t>
-            </a:r>
-            <a:r>
               <a:rPr lang="en-US" sz="3200" dirty="0">
                 <a:solidFill>
                   <a:schemeClr val="tx1"/>
                 </a:solidFill>
                 <a:latin typeface="Helvetica Neue"/>
               </a:rPr>
-              <a:t>form of operational support would need to be offered when these new protocols are </a:t>
-            </a:r>
-            <a:r>
-              <a:rPr lang="en-US" sz="3200" dirty="0" smtClean="0">
-                <a:solidFill>
-                  <a:schemeClr val="tx1"/>
-                </a:solidFill>
-                <a:latin typeface="Helvetica Neue"/>
-              </a:rPr>
-              <a:t>deployed?</a:t>
-            </a:r>
-            <a:endParaRPr lang="de-DE" sz="3200" dirty="0">
+              <a:t>What operational support is needed to deploy new protocols?</a:t>
+            </a:r>
+            <a:endParaRPr lang="de-DE" sz="3200" dirty="0" smtClean="0">
               <a:solidFill>
                 <a:schemeClr val="tx1"/>
               </a:solidFill>
@@ -3373,9 +3298,6 @@
               </a:rPr>
               <a:t>)</a:t>
             </a:r>
-            <a:endParaRPr lang="en-US" sz="3200" b="1" dirty="0">
-              <a:latin typeface="Helvetica Neue"/>
-            </a:endParaRPr>
           </a:p>
         </p:txBody>
       </p:sp>
@@ -3412,7 +3334,7 @@
             </a:ln>
             <a:extLst>
               <a:ext uri="{C572A759-6A51-4108-AA02-DFA0A04FC94B}">
-                <ma14:wrappingTextBoxFlag xmlns="" xmlns:ma14="http://schemas.microsoft.com/office/mac/drawingml/2011/main" val="1"/>
+                <ma14:wrappingTextBoxFlag xmlns:ma14="http://schemas.microsoft.com/office/mac/drawingml/2011/main" xmlns="" val="1"/>
               </a:ext>
             </a:extLst>
           </p:spPr>
@@ -3466,7 +3388,7 @@
             </a:ln>
             <a:extLst>
               <a:ext uri="{C572A759-6A51-4108-AA02-DFA0A04FC94B}">
-                <ma14:wrappingTextBoxFlag xmlns="" xmlns:ma14="http://schemas.microsoft.com/office/mac/drawingml/2011/main" val="1"/>
+                <ma14:wrappingTextBoxFlag xmlns:ma14="http://schemas.microsoft.com/office/mac/drawingml/2011/main" xmlns="" val="1"/>
               </a:ext>
             </a:extLst>
           </p:spPr>
@@ -3543,270 +3465,255 @@
           </p:spPr>
         </p:pic>
       </p:grpSp>
-      <p:grpSp>
-        <p:nvGrpSpPr>
-          <p:cNvPr id="10" name="Gruppieren 9"/>
-          <p:cNvGrpSpPr/>
+      <p:sp>
+        <p:nvSpPr>
+          <p:cNvPr id="5" name="Gleichschenkliges Dreieck 4"/>
+          <p:cNvSpPr/>
           <p:nvPr/>
-        </p:nvGrpSpPr>
-        <p:grpSpPr>
+        </p:nvSpPr>
+        <p:spPr>
           <a:xfrm>
-            <a:off x="1779270" y="18335682"/>
-            <a:ext cx="12659118" cy="4635384"/>
-            <a:chOff x="1807753" y="18174830"/>
-            <a:chExt cx="12659118" cy="4635384"/>
+            <a:off x="6570809" y="19695999"/>
+            <a:ext cx="2743200" cy="2412061"/>
           </a:xfrm>
-        </p:grpSpPr>
-        <p:sp>
-          <p:nvSpPr>
-            <p:cNvPr id="5" name="Gleichschenkliges Dreieck 4"/>
-            <p:cNvSpPr/>
-            <p:nvPr/>
-          </p:nvSpPr>
-          <p:spPr>
-            <a:xfrm>
-              <a:off x="5995832" y="19212980"/>
-              <a:ext cx="3757616" cy="3026980"/>
-            </a:xfrm>
-            <a:prstGeom prst="triangle">
-              <a:avLst/>
-            </a:prstGeom>
+          <a:prstGeom prst="triangle">
+            <a:avLst/>
+          </a:prstGeom>
+          <a:solidFill>
+            <a:srgbClr val="FFD66A"/>
+          </a:solidFill>
+          <a:ln w="76200">
             <a:solidFill>
-              <a:schemeClr val="bg1"/>
+              <a:schemeClr val="tx1"/>
             </a:solidFill>
-            <a:ln>
-              <a:solidFill>
-                <a:schemeClr val="tx1"/>
-              </a:solidFill>
-            </a:ln>
-          </p:spPr>
-          <p:style>
-            <a:lnRef idx="2">
-              <a:schemeClr val="accent1">
-                <a:shade val="50000"/>
-              </a:schemeClr>
-            </a:lnRef>
-            <a:fillRef idx="1">
-              <a:schemeClr val="accent1"/>
-            </a:fillRef>
-            <a:effectRef idx="0">
-              <a:schemeClr val="accent1"/>
-            </a:effectRef>
-            <a:fontRef idx="minor">
-              <a:schemeClr val="lt1"/>
-            </a:fontRef>
-          </p:style>
-          <p:txBody>
-            <a:bodyPr rtlCol="0" anchor="ctr"/>
-            <a:lstStyle/>
-            <a:p>
-              <a:pPr algn="ctr"/>
-              <a:endParaRPr lang="en-US"/>
-            </a:p>
-          </p:txBody>
-        </p:sp>
-        <p:sp>
-          <p:nvSpPr>
-            <p:cNvPr id="6" name="Textfeld 5"/>
-            <p:cNvSpPr txBox="1"/>
-            <p:nvPr/>
-          </p:nvSpPr>
-          <p:spPr>
-            <a:xfrm>
-              <a:off x="4118645" y="18174830"/>
-              <a:ext cx="7511993" cy="1077218"/>
-            </a:xfrm>
-            <a:prstGeom prst="rect">
-              <a:avLst/>
-            </a:prstGeom>
-            <a:noFill/>
-          </p:spPr>
-          <p:txBody>
-            <a:bodyPr wrap="none" rtlCol="0">
-              <a:spAutoFit/>
-            </a:bodyPr>
-            <a:lstStyle/>
-            <a:p>
-              <a:pPr algn="ctr"/>
-              <a:r>
-                <a:rPr lang="en-US" sz="3200" b="1" dirty="0" smtClean="0">
-                  <a:latin typeface="Helvetica Neue"/>
-                </a:rPr>
-                <a:t>Expanding deployment of encryption </a:t>
-              </a:r>
-            </a:p>
-            <a:p>
-              <a:pPr algn="ctr"/>
-              <a:r>
-                <a:rPr lang="en-US" sz="3200" b="1" dirty="0" smtClean="0">
-                  <a:latin typeface="Helvetica Neue"/>
-                </a:rPr>
-                <a:t>to </a:t>
-              </a:r>
-              <a:r>
-                <a:rPr lang="en-US" sz="3200" b="1" dirty="0">
-                  <a:latin typeface="Helvetica Neue"/>
-                </a:rPr>
-                <a:t>protect end-user privacy</a:t>
-              </a:r>
-            </a:p>
-          </p:txBody>
-        </p:sp>
-        <p:sp>
-          <p:nvSpPr>
-            <p:cNvPr id="7" name="Textfeld 6"/>
-            <p:cNvSpPr txBox="1"/>
-            <p:nvPr/>
-          </p:nvSpPr>
-          <p:spPr>
-            <a:xfrm>
-              <a:off x="1807753" y="20748111"/>
-              <a:ext cx="4621778" cy="2062103"/>
-            </a:xfrm>
-            <a:prstGeom prst="rect">
-              <a:avLst/>
-            </a:prstGeom>
-            <a:noFill/>
-          </p:spPr>
-          <p:txBody>
-            <a:bodyPr wrap="none" rtlCol="0">
-              <a:spAutoFit/>
-            </a:bodyPr>
-            <a:lstStyle/>
-            <a:p>
-              <a:pPr algn="ctr"/>
-              <a:r>
-                <a:rPr lang="en-US" sz="3200" b="1" dirty="0" smtClean="0">
-                  <a:latin typeface="Helvetica Neue"/>
-                </a:rPr>
-                <a:t>Restoration </a:t>
-              </a:r>
-              <a:r>
-                <a:rPr lang="en-US" sz="3200" b="1" dirty="0">
-                  <a:latin typeface="Helvetica Neue"/>
-                </a:rPr>
-                <a:t>of the </a:t>
-              </a:r>
-              <a:endParaRPr lang="en-US" sz="3200" b="1" dirty="0" smtClean="0">
-                <a:latin typeface="Helvetica Neue"/>
-              </a:endParaRPr>
-            </a:p>
-            <a:p>
-              <a:pPr algn="ctr"/>
-              <a:r>
-                <a:rPr lang="en-US" sz="3200" b="1" dirty="0" smtClean="0">
-                  <a:latin typeface="Helvetica Neue"/>
-                </a:rPr>
-                <a:t>end-to-end </a:t>
-              </a:r>
-              <a:r>
-                <a:rPr lang="en-US" sz="3200" b="1" dirty="0">
-                  <a:latin typeface="Helvetica Neue"/>
-                </a:rPr>
-                <a:t>principle </a:t>
-              </a:r>
-              <a:endParaRPr lang="en-US" sz="3200" b="1" dirty="0" smtClean="0">
-                <a:latin typeface="Helvetica Neue"/>
-              </a:endParaRPr>
-            </a:p>
-            <a:p>
-              <a:pPr algn="ctr"/>
-              <a:r>
-                <a:rPr lang="en-US" sz="3200" b="1" dirty="0" smtClean="0">
-                  <a:latin typeface="Helvetica Neue"/>
-                </a:rPr>
-                <a:t>in </a:t>
-              </a:r>
-              <a:r>
-                <a:rPr lang="en-US" sz="3200" b="1" dirty="0">
-                  <a:latin typeface="Helvetica Neue"/>
-                </a:rPr>
-                <a:t>the face of </a:t>
-              </a:r>
-              <a:endParaRPr lang="en-US" sz="3200" b="1" dirty="0" smtClean="0">
-                <a:latin typeface="Helvetica Neue"/>
-              </a:endParaRPr>
-            </a:p>
-            <a:p>
-              <a:pPr algn="ctr"/>
-              <a:r>
-                <a:rPr lang="en-US" sz="3200" b="1" dirty="0" smtClean="0">
-                  <a:latin typeface="Helvetica Neue"/>
-                </a:rPr>
-                <a:t>increasing </a:t>
-              </a:r>
-              <a:r>
-                <a:rPr lang="en-US" sz="3200" b="1" dirty="0">
-                  <a:latin typeface="Helvetica Neue"/>
-                </a:rPr>
-                <a:t>ossification</a:t>
-              </a:r>
-            </a:p>
-          </p:txBody>
-        </p:sp>
-        <p:sp>
-          <p:nvSpPr>
-            <p:cNvPr id="8" name="Textfeld 7"/>
-            <p:cNvSpPr txBox="1"/>
-            <p:nvPr/>
-          </p:nvSpPr>
-          <p:spPr>
-            <a:xfrm>
-              <a:off x="9550140" y="20748110"/>
-              <a:ext cx="4916731" cy="2062103"/>
-            </a:xfrm>
-            <a:prstGeom prst="rect">
-              <a:avLst/>
-            </a:prstGeom>
-            <a:noFill/>
-          </p:spPr>
-          <p:txBody>
-            <a:bodyPr wrap="none" rtlCol="0">
-              <a:spAutoFit/>
-            </a:bodyPr>
-            <a:lstStyle/>
-            <a:p>
-              <a:pPr algn="ctr"/>
-              <a:r>
-                <a:rPr lang="en-US" sz="3200" b="1" dirty="0" smtClean="0">
-                  <a:latin typeface="Helvetica Neue"/>
-                </a:rPr>
-                <a:t>Dependency on</a:t>
-              </a:r>
-            </a:p>
-            <a:p>
-              <a:pPr algn="ctr"/>
-              <a:r>
-                <a:rPr lang="en-US" sz="3200" b="1" dirty="0" smtClean="0">
-                  <a:latin typeface="Helvetica Neue"/>
-                </a:rPr>
-                <a:t>in-network functionality </a:t>
-              </a:r>
-            </a:p>
-            <a:p>
-              <a:pPr algn="ctr"/>
-              <a:r>
-                <a:rPr lang="en-US" sz="3200" b="1" dirty="0" smtClean="0">
-                  <a:latin typeface="Helvetica Neue"/>
-                </a:rPr>
-                <a:t>to support </a:t>
-              </a:r>
-            </a:p>
-            <a:p>
-              <a:pPr algn="ctr"/>
-              <a:r>
-                <a:rPr lang="en-US" sz="3200" b="1" dirty="0" smtClean="0">
-                  <a:latin typeface="Helvetica Neue"/>
-                </a:rPr>
-                <a:t>network operations</a:t>
-              </a:r>
-              <a:endParaRPr lang="en-US" sz="3200" b="1" dirty="0">
-                <a:latin typeface="Helvetica Neue"/>
-              </a:endParaRPr>
-            </a:p>
-          </p:txBody>
-        </p:sp>
-      </p:grpSp>
+          </a:ln>
+        </p:spPr>
+        <p:style>
+          <a:lnRef idx="2">
+            <a:schemeClr val="accent1">
+              <a:shade val="50000"/>
+            </a:schemeClr>
+          </a:lnRef>
+          <a:fillRef idx="1">
+            <a:schemeClr val="accent1"/>
+          </a:fillRef>
+          <a:effectRef idx="0">
+            <a:schemeClr val="accent1"/>
+          </a:effectRef>
+          <a:fontRef idx="minor">
+            <a:schemeClr val="lt1"/>
+          </a:fontRef>
+        </p:style>
+        <p:txBody>
+          <a:bodyPr rtlCol="0" anchor="ctr"/>
+          <a:lstStyle/>
+          <a:p>
+            <a:pPr algn="ctr"/>
+            <a:endParaRPr lang="en-US"/>
+          </a:p>
+        </p:txBody>
+      </p:sp>
+      <p:sp>
+        <p:nvSpPr>
+          <p:cNvPr id="6" name="Textfeld 5"/>
+          <p:cNvSpPr txBox="1"/>
+          <p:nvPr/>
+        </p:nvSpPr>
+        <p:spPr>
+          <a:xfrm>
+            <a:off x="4090162" y="18335682"/>
+            <a:ext cx="7511993" cy="1077218"/>
+          </a:xfrm>
+          <a:prstGeom prst="rect">
+            <a:avLst/>
+          </a:prstGeom>
+          <a:noFill/>
+        </p:spPr>
+        <p:txBody>
+          <a:bodyPr wrap="none" rtlCol="0">
+            <a:spAutoFit/>
+          </a:bodyPr>
+          <a:lstStyle/>
+          <a:p>
+            <a:pPr algn="ctr"/>
+            <a:r>
+              <a:rPr lang="en-US" sz="3200" b="1" dirty="0" smtClean="0">
+                <a:latin typeface="Helvetica Neue"/>
+              </a:rPr>
+              <a:t>Expanding deployment of encryption </a:t>
+            </a:r>
+          </a:p>
+          <a:p>
+            <a:pPr algn="ctr"/>
+            <a:r>
+              <a:rPr lang="en-US" sz="3200" b="1" dirty="0" smtClean="0">
+                <a:latin typeface="Helvetica Neue"/>
+              </a:rPr>
+              <a:t>to </a:t>
+            </a:r>
+            <a:r>
+              <a:rPr lang="en-US" sz="3200" b="1" dirty="0">
+                <a:latin typeface="Helvetica Neue"/>
+              </a:rPr>
+              <a:t>protect end-user privacy</a:t>
+            </a:r>
+          </a:p>
+        </p:txBody>
+      </p:sp>
+      <p:sp>
+        <p:nvSpPr>
+          <p:cNvPr id="7" name="Textfeld 6"/>
+          <p:cNvSpPr txBox="1"/>
+          <p:nvPr/>
+        </p:nvSpPr>
+        <p:spPr>
+          <a:xfrm>
+            <a:off x="1779270" y="20908963"/>
+            <a:ext cx="4621778" cy="2062103"/>
+          </a:xfrm>
+          <a:prstGeom prst="rect">
+            <a:avLst/>
+          </a:prstGeom>
+          <a:noFill/>
+        </p:spPr>
+        <p:txBody>
+          <a:bodyPr wrap="none" rtlCol="0">
+            <a:spAutoFit/>
+          </a:bodyPr>
+          <a:lstStyle/>
+          <a:p>
+            <a:pPr algn="ctr"/>
+            <a:r>
+              <a:rPr lang="en-US" sz="3200" b="1" dirty="0" smtClean="0">
+                <a:latin typeface="Helvetica Neue"/>
+              </a:rPr>
+              <a:t>Restoration </a:t>
+            </a:r>
+            <a:r>
+              <a:rPr lang="en-US" sz="3200" b="1" dirty="0">
+                <a:latin typeface="Helvetica Neue"/>
+              </a:rPr>
+              <a:t>of the </a:t>
+            </a:r>
+            <a:endParaRPr lang="en-US" sz="3200" b="1" dirty="0" smtClean="0">
+              <a:latin typeface="Helvetica Neue"/>
+            </a:endParaRPr>
+          </a:p>
+          <a:p>
+            <a:pPr algn="ctr"/>
+            <a:r>
+              <a:rPr lang="en-US" sz="3200" b="1" dirty="0" smtClean="0">
+                <a:latin typeface="Helvetica Neue"/>
+              </a:rPr>
+              <a:t>end-to-end </a:t>
+            </a:r>
+            <a:r>
+              <a:rPr lang="en-US" sz="3200" b="1" dirty="0">
+                <a:latin typeface="Helvetica Neue"/>
+              </a:rPr>
+              <a:t>principle </a:t>
+            </a:r>
+            <a:endParaRPr lang="en-US" sz="3200" b="1" dirty="0" smtClean="0">
+              <a:latin typeface="Helvetica Neue"/>
+            </a:endParaRPr>
+          </a:p>
+          <a:p>
+            <a:pPr algn="ctr"/>
+            <a:r>
+              <a:rPr lang="en-US" sz="3200" b="1" dirty="0" smtClean="0">
+                <a:latin typeface="Helvetica Neue"/>
+              </a:rPr>
+              <a:t>in </a:t>
+            </a:r>
+            <a:r>
+              <a:rPr lang="en-US" sz="3200" b="1" dirty="0">
+                <a:latin typeface="Helvetica Neue"/>
+              </a:rPr>
+              <a:t>the face of </a:t>
+            </a:r>
+            <a:endParaRPr lang="en-US" sz="3200" b="1" dirty="0" smtClean="0">
+              <a:latin typeface="Helvetica Neue"/>
+            </a:endParaRPr>
+          </a:p>
+          <a:p>
+            <a:pPr algn="ctr"/>
+            <a:r>
+              <a:rPr lang="en-US" sz="3200" b="1" dirty="0" smtClean="0">
+                <a:latin typeface="Helvetica Neue"/>
+              </a:rPr>
+              <a:t>increasing </a:t>
+            </a:r>
+            <a:r>
+              <a:rPr lang="en-US" sz="3200" b="1" dirty="0">
+                <a:latin typeface="Helvetica Neue"/>
+              </a:rPr>
+              <a:t>ossification</a:t>
+            </a:r>
+          </a:p>
+        </p:txBody>
+      </p:sp>
+      <p:sp>
+        <p:nvSpPr>
+          <p:cNvPr id="8" name="Textfeld 7"/>
+          <p:cNvSpPr txBox="1"/>
+          <p:nvPr/>
+        </p:nvSpPr>
+        <p:spPr>
+          <a:xfrm>
+            <a:off x="9521657" y="20908962"/>
+            <a:ext cx="4916731" cy="2062103"/>
+          </a:xfrm>
+          <a:prstGeom prst="rect">
+            <a:avLst/>
+          </a:prstGeom>
+          <a:noFill/>
+        </p:spPr>
+        <p:txBody>
+          <a:bodyPr wrap="none" rtlCol="0">
+            <a:spAutoFit/>
+          </a:bodyPr>
+          <a:lstStyle/>
+          <a:p>
+            <a:pPr algn="ctr"/>
+            <a:r>
+              <a:rPr lang="en-US" sz="3200" b="1" dirty="0" smtClean="0">
+                <a:latin typeface="Helvetica Neue"/>
+              </a:rPr>
+              <a:t>Dependency on</a:t>
+            </a:r>
+          </a:p>
+          <a:p>
+            <a:pPr algn="ctr"/>
+            <a:r>
+              <a:rPr lang="en-US" sz="3200" b="1" dirty="0" smtClean="0">
+                <a:latin typeface="Helvetica Neue"/>
+              </a:rPr>
+              <a:t>in-network functionality </a:t>
+            </a:r>
+          </a:p>
+          <a:p>
+            <a:pPr algn="ctr"/>
+            <a:r>
+              <a:rPr lang="en-US" sz="3200" b="1" dirty="0" smtClean="0">
+                <a:latin typeface="Helvetica Neue"/>
+              </a:rPr>
+              <a:t>to support </a:t>
+            </a:r>
+          </a:p>
+          <a:p>
+            <a:pPr algn="ctr"/>
+            <a:r>
+              <a:rPr lang="en-US" sz="3200" b="1" dirty="0" smtClean="0">
+                <a:latin typeface="Helvetica Neue"/>
+              </a:rPr>
+              <a:t>network operations</a:t>
+            </a:r>
+            <a:endParaRPr lang="en-US" sz="3200" b="1" dirty="0">
+              <a:latin typeface="Helvetica Neue"/>
+            </a:endParaRPr>
+          </a:p>
+        </p:txBody>
+      </p:sp>
       <p:pic>
         <p:nvPicPr>
           <p:cNvPr id="11" name="Grafik 10"/>
@@ -4336,7 +4243,13 @@
               <a:rPr lang="en-US" sz="3200" dirty="0" smtClean="0">
                 <a:latin typeface="Helvetica Neue"/>
               </a:rPr>
-              <a:t>Trust by verify under the assumption that two endpoints have a trust relation for integrity protection and encryption but there is no requirement for an explicit trust relationship with the network</a:t>
+              <a:t>Trust by verify under the assumption that two endpoints have a trust relation for integrity protection and </a:t>
+            </a:r>
+            <a:r>
+              <a:rPr lang="en-US" sz="3200" dirty="0">
+                <a:latin typeface="Helvetica Neue"/>
+              </a:rPr>
+              <a:t>encryption, but generally no requirement for explicit trust relationship with network devices.</a:t>
             </a:r>
             <a:endParaRPr lang="en-US" sz="3200" dirty="0">
               <a:latin typeface="Helvetica Neue"/>

--- a/eucnc-june17/eucnc17-poster.pptx
+++ b/eucnc-june17/eucnc17-poster.pptx
@@ -1375,7 +1375,7 @@
         </p:blipFill>
         <p:spPr>
           <a:xfrm>
-            <a:off x="8393231" y="34254330"/>
+            <a:off x="8393231" y="34158078"/>
             <a:ext cx="7173581" cy="2225233"/>
           </a:xfrm>
           <a:prstGeom prst="rect">
@@ -1405,7 +1405,7 @@
         </p:blipFill>
         <p:spPr>
           <a:xfrm>
-            <a:off x="19680594" y="14232793"/>
+            <a:off x="19898411" y="14272036"/>
             <a:ext cx="9142857" cy="1885714"/>
           </a:xfrm>
           <a:prstGeom prst="rect">
@@ -1521,7 +1521,25 @@
                 </a:solidFill>
                 <a:latin typeface="Helvetica Neue"/>
               </a:rPr>
-              <a:t> to measure Internet path transparency,</a:t>
+              <a:t> to measure Internet path </a:t>
+            </a:r>
+            <a:r>
+              <a:rPr lang="en-US" sz="3200" dirty="0" smtClean="0">
+                <a:solidFill>
+                  <a:schemeClr val="tx1"/>
+                </a:solidFill>
+                <a:latin typeface="Helvetica Neue"/>
+              </a:rPr>
+              <a:t>transparency:</a:t>
+            </a:r>
+            <a:r>
+              <a:rPr lang="en-US" sz="3200" dirty="0" smtClean="0">
+                <a:solidFill>
+                  <a:schemeClr val="tx1"/>
+                </a:solidFill>
+                <a:latin typeface="Helvetica Neue"/>
+              </a:rPr>
+              <a:t/>
             </a:r>
             <a:br>
               <a:rPr lang="en-US" sz="3200" dirty="0" smtClean="0">
@@ -1673,77 +1691,12 @@
               <a:buFont typeface="Arial" panose="020B0604020202020204" pitchFamily="34" charset="0"/>
               <a:buChar char="•"/>
             </a:pPr>
-            <a:r>
-              <a:rPr lang="en-US" sz="3200" dirty="0" smtClean="0">
-                <a:solidFill>
-                  <a:schemeClr val="tx1"/>
-                </a:solidFill>
-                <a:latin typeface="Helvetica Neue"/>
-              </a:rPr>
-              <a:t>Experimental evaluation focusing on Mobile Broadband network, using MONROE nodes connected to </a:t>
-            </a:r>
-            <a:br>
-              <a:rPr lang="en-US" sz="3200" dirty="0" smtClean="0">
-                <a:solidFill>
-                  <a:schemeClr val="tx1"/>
-                </a:solidFill>
-                <a:latin typeface="Helvetica Neue"/>
-              </a:rPr>
-            </a:br>
-            <a:r>
-              <a:rPr lang="en-US" sz="3200" dirty="0" smtClean="0">
-                <a:solidFill>
-                  <a:schemeClr val="tx1"/>
-                </a:solidFill>
-                <a:latin typeface="Helvetica Neue"/>
-              </a:rPr>
-              <a:t>up to 3 providers and </a:t>
-            </a:r>
-            <a:r>
-              <a:rPr lang="en-US" sz="3200" dirty="0" err="1" smtClean="0">
-                <a:solidFill>
-                  <a:schemeClr val="tx1"/>
-                </a:solidFill>
-                <a:latin typeface="Helvetica Neue"/>
-              </a:rPr>
-              <a:t>WiFi</a:t>
-            </a:r>
-            <a:r>
-              <a:rPr lang="en-US" sz="3200" dirty="0" smtClean="0">
-                <a:solidFill>
-                  <a:schemeClr val="tx1"/>
-                </a:solidFill>
-                <a:latin typeface="Helvetica Neue"/>
-              </a:rPr>
-              <a:t>:</a:t>
-            </a:r>
-            <a:br>
-              <a:rPr lang="en-US" sz="3200" dirty="0" smtClean="0">
-                <a:solidFill>
-                  <a:schemeClr val="tx1"/>
-                </a:solidFill>
-                <a:latin typeface="Helvetica Neue"/>
-              </a:rPr>
-            </a:br>
-            <a:r>
-              <a:rPr lang="en-US" sz="3200" dirty="0" smtClean="0">
-                <a:solidFill>
-                  <a:schemeClr val="tx1"/>
-                </a:solidFill>
-                <a:latin typeface="Helvetica Neue"/>
-                <a:hlinkClick r:id="rId5"/>
-              </a:rPr>
-              <a:t>https://www.monroe-project.eu/</a:t>
-            </a:r>
-            <a:r>
-              <a:rPr lang="en-US" sz="3200" dirty="0" smtClean="0">
-                <a:solidFill>
-                  <a:schemeClr val="tx1"/>
-                </a:solidFill>
-                <a:latin typeface="Helvetica Neue"/>
-              </a:rPr>
-              <a:t> </a:t>
-            </a:r>
+            <a:endParaRPr lang="en-US" sz="3200" dirty="0" smtClean="0">
+              <a:solidFill>
+                <a:schemeClr val="tx1"/>
+              </a:solidFill>
+              <a:latin typeface="Helvetica Neue"/>
+            </a:endParaRPr>
           </a:p>
           <a:p>
             <a:pPr marL="457200" indent="-457200">
@@ -1760,7 +1713,60 @@
                 </a:solidFill>
                 <a:latin typeface="Helvetica Neue"/>
               </a:rPr>
-              <a:t>Complemented measurement of the path with tools such as </a:t>
+              <a:t>Experimental </a:t>
+            </a:r>
+            <a:r>
+              <a:rPr lang="en-US" sz="3200" dirty="0" smtClean="0">
+                <a:solidFill>
+                  <a:schemeClr val="tx1"/>
+                </a:solidFill>
+                <a:latin typeface="Helvetica Neue"/>
+              </a:rPr>
+              <a:t>evaluation using </a:t>
+            </a:r>
+            <a:r>
+              <a:rPr lang="en-US" sz="3200" dirty="0">
+                <a:solidFill>
+                  <a:schemeClr val="tx1"/>
+                </a:solidFill>
+                <a:latin typeface="Helvetica Neue"/>
+              </a:rPr>
+              <a:t>the </a:t>
+            </a:r>
+            <a:r>
+              <a:rPr lang="en-US" sz="3200" dirty="0" smtClean="0">
+                <a:solidFill>
+                  <a:schemeClr val="tx1"/>
+                </a:solidFill>
+                <a:latin typeface="Helvetica Neue"/>
+              </a:rPr>
+              <a:t/>
+            </a:r>
+            <a:br>
+              <a:rPr lang="en-US" sz="3200" dirty="0" smtClean="0">
+                <a:solidFill>
+                  <a:schemeClr val="tx1"/>
+                </a:solidFill>
+                <a:latin typeface="Helvetica Neue"/>
+              </a:rPr>
+            </a:br>
+            <a:r>
+              <a:rPr lang="en-US" sz="3200" dirty="0" smtClean="0">
+                <a:solidFill>
+                  <a:schemeClr val="tx1"/>
+                </a:solidFill>
+                <a:latin typeface="Helvetica Neue"/>
+              </a:rPr>
+              <a:t>MONEOE </a:t>
+            </a:r>
+            <a:r>
+              <a:rPr lang="en-US" sz="3200" dirty="0">
+                <a:solidFill>
+                  <a:schemeClr val="tx1"/>
+                </a:solidFill>
+                <a:latin typeface="Helvetica Neue"/>
+              </a:rPr>
+              <a:t>Mobile Broadband </a:t>
             </a:r>
             <a:r>
               <a:rPr lang="en-US" sz="3200" dirty="0" err="1" smtClean="0">
@@ -1769,7 +1775,7 @@
                 </a:solidFill>
                 <a:latin typeface="Helvetica Neue"/>
               </a:rPr>
-              <a:t>Tracebox</a:t>
+              <a:t>testbed</a:t>
             </a:r>
             <a:r>
               <a:rPr lang="en-US" sz="3200" dirty="0" smtClean="0">
@@ -1780,22 +1786,43 @@
               </a:rPr>
               <a:t>: </a:t>
             </a:r>
-            <a:r>
-              <a:rPr lang="en-US" sz="3200" dirty="0" smtClean="0">
-                <a:solidFill>
-                  <a:schemeClr val="tx1"/>
-                </a:solidFill>
-                <a:latin typeface="Helvetica Neue"/>
-                <a:hlinkClick r:id="rId6"/>
-              </a:rPr>
-              <a:t>http://www.tracebox.org/</a:t>
-            </a:r>
-            <a:endParaRPr lang="en-US" sz="3200" dirty="0" smtClean="0">
-              <a:solidFill>
-                <a:schemeClr val="tx1"/>
-              </a:solidFill>
-              <a:latin typeface="Helvetica Neue"/>
-            </a:endParaRPr>
+            <a:br>
+              <a:rPr lang="en-US" sz="3200" dirty="0" smtClean="0">
+                <a:solidFill>
+                  <a:schemeClr val="tx1"/>
+                </a:solidFill>
+                <a:latin typeface="Helvetica Neue"/>
+              </a:rPr>
+            </a:br>
+            <a:r>
+              <a:rPr lang="en-US" sz="3200" dirty="0" smtClean="0">
+                <a:solidFill>
+                  <a:schemeClr val="tx1"/>
+                </a:solidFill>
+                <a:latin typeface="Helvetica Neue"/>
+                <a:hlinkClick r:id="rId5"/>
+              </a:rPr>
+              <a:t>https</a:t>
+            </a:r>
+            <a:r>
+              <a:rPr lang="en-US" sz="3200" dirty="0" smtClean="0">
+                <a:solidFill>
+                  <a:schemeClr val="tx1"/>
+                </a:solidFill>
+                <a:latin typeface="Helvetica Neue"/>
+                <a:hlinkClick r:id="rId5"/>
+              </a:rPr>
+              <a:t>://www.monroe-project.eu/</a:t>
+            </a:r>
+            <a:r>
+              <a:rPr lang="en-US" sz="3200" dirty="0" smtClean="0">
+                <a:solidFill>
+                  <a:schemeClr val="tx1"/>
+                </a:solidFill>
+                <a:latin typeface="Helvetica Neue"/>
+              </a:rPr>
+              <a:t> </a:t>
+            </a:r>
           </a:p>
           <a:p>
             <a:pPr marL="457200" indent="-457200">
@@ -1812,6 +1839,58 @@
                 </a:solidFill>
                 <a:latin typeface="Helvetica Neue"/>
               </a:rPr>
+              <a:t>Complemented measurement of the path with tools such as </a:t>
+            </a:r>
+            <a:r>
+              <a:rPr lang="en-US" sz="3200" dirty="0" err="1" smtClean="0">
+                <a:solidFill>
+                  <a:schemeClr val="tx1"/>
+                </a:solidFill>
+                <a:latin typeface="Helvetica Neue"/>
+              </a:rPr>
+              <a:t>Tracebox</a:t>
+            </a:r>
+            <a:r>
+              <a:rPr lang="en-US" sz="3200" dirty="0" smtClean="0">
+                <a:solidFill>
+                  <a:schemeClr val="tx1"/>
+                </a:solidFill>
+                <a:latin typeface="Helvetica Neue"/>
+              </a:rPr>
+              <a:t>: </a:t>
+            </a:r>
+            <a:r>
+              <a:rPr lang="en-US" sz="3200" dirty="0" smtClean="0">
+                <a:solidFill>
+                  <a:schemeClr val="tx1"/>
+                </a:solidFill>
+                <a:latin typeface="Helvetica Neue"/>
+                <a:hlinkClick r:id="rId6"/>
+              </a:rPr>
+              <a:t>http://www.tracebox.org/</a:t>
+            </a:r>
+            <a:endParaRPr lang="en-US" sz="3200" dirty="0" smtClean="0">
+              <a:solidFill>
+                <a:schemeClr val="tx1"/>
+              </a:solidFill>
+              <a:latin typeface="Helvetica Neue"/>
+            </a:endParaRPr>
+          </a:p>
+          <a:p>
+            <a:pPr marL="457200" indent="-457200">
+              <a:spcBef>
+                <a:spcPts val="1200"/>
+              </a:spcBef>
+              <a:buFont typeface="Arial" panose="020B0604020202020204" pitchFamily="34" charset="0"/>
+              <a:buChar char="•"/>
+            </a:pPr>
+            <a:r>
+              <a:rPr lang="en-US" sz="3200" dirty="0" smtClean="0">
+                <a:solidFill>
+                  <a:schemeClr val="tx1"/>
+                </a:solidFill>
+                <a:latin typeface="Helvetica Neue"/>
+              </a:rPr>
               <a:t>Large-scale data collection </a:t>
             </a:r>
             <a:r>
@@ -2053,8 +2132,267 @@
                 </a:solidFill>
                 <a:latin typeface="Helvetica Neue"/>
               </a:rPr>
-              <a:t>negotiated, or TFO works</a:t>
-            </a:r>
+              <a:t>negotiated, or TFO </a:t>
+            </a:r>
+            <a:r>
+              <a:rPr lang="en-US" sz="3200" dirty="0" smtClean="0">
+                <a:solidFill>
+                  <a:schemeClr val="tx1"/>
+                </a:solidFill>
+                <a:latin typeface="Helvetica Neue"/>
+              </a:rPr>
+              <a:t>works</a:t>
+            </a:r>
+          </a:p>
+          <a:p>
+            <a:pPr marL="0" lvl="1" indent="-698177">
+              <a:spcBef>
+                <a:spcPts val="1200"/>
+              </a:spcBef>
+            </a:pPr>
+            <a:endParaRPr lang="de-DE" sz="3200" dirty="0">
+              <a:solidFill>
+                <a:schemeClr val="tx1"/>
+              </a:solidFill>
+              <a:latin typeface="Helvetica Neue"/>
+            </a:endParaRPr>
+          </a:p>
+          <a:p>
+            <a:pPr marL="0" lvl="1" indent="-698177">
+              <a:spcBef>
+                <a:spcPts val="1200"/>
+              </a:spcBef>
+            </a:pPr>
+            <a:endParaRPr lang="de-DE" sz="3200" dirty="0" smtClean="0">
+              <a:solidFill>
+                <a:schemeClr val="tx1"/>
+              </a:solidFill>
+              <a:latin typeface="Helvetica Neue"/>
+            </a:endParaRPr>
+          </a:p>
+          <a:p>
+            <a:pPr marL="0" lvl="1" indent="-698177">
+              <a:spcBef>
+                <a:spcPts val="1200"/>
+              </a:spcBef>
+            </a:pPr>
+            <a:endParaRPr lang="de-DE" sz="3200" dirty="0">
+              <a:solidFill>
+                <a:schemeClr val="tx1"/>
+              </a:solidFill>
+              <a:latin typeface="Helvetica Neue"/>
+            </a:endParaRPr>
+          </a:p>
+          <a:p>
+            <a:pPr marL="0" lvl="1" indent="-698177">
+              <a:spcBef>
+                <a:spcPts val="1200"/>
+              </a:spcBef>
+            </a:pPr>
+            <a:endParaRPr lang="de-DE" sz="3200" dirty="0" smtClean="0">
+              <a:solidFill>
+                <a:schemeClr val="tx1"/>
+              </a:solidFill>
+              <a:latin typeface="Helvetica Neue"/>
+            </a:endParaRPr>
+          </a:p>
+          <a:p>
+            <a:pPr marL="0" lvl="1" indent="-698177">
+              <a:spcBef>
+                <a:spcPts val="1200"/>
+              </a:spcBef>
+            </a:pPr>
+            <a:endParaRPr lang="de-DE" sz="3200" dirty="0">
+              <a:solidFill>
+                <a:schemeClr val="tx1"/>
+              </a:solidFill>
+              <a:latin typeface="Helvetica Neue"/>
+            </a:endParaRPr>
+          </a:p>
+          <a:p>
+            <a:pPr marL="0" lvl="1" indent="-698177">
+              <a:spcBef>
+                <a:spcPts val="1200"/>
+              </a:spcBef>
+            </a:pPr>
+            <a:endParaRPr lang="de-DE" sz="3200" dirty="0" smtClean="0">
+              <a:solidFill>
+                <a:schemeClr val="tx1"/>
+              </a:solidFill>
+              <a:latin typeface="Helvetica Neue"/>
+            </a:endParaRPr>
+          </a:p>
+          <a:p>
+            <a:pPr marL="0" lvl="1" indent="-698177">
+              <a:spcBef>
+                <a:spcPts val="1200"/>
+              </a:spcBef>
+            </a:pPr>
+            <a:endParaRPr lang="de-DE" sz="3200" dirty="0">
+              <a:solidFill>
+                <a:schemeClr val="tx1"/>
+              </a:solidFill>
+              <a:latin typeface="Helvetica Neue"/>
+            </a:endParaRPr>
+          </a:p>
+          <a:p>
+            <a:pPr>
+              <a:spcBef>
+                <a:spcPts val="1200"/>
+              </a:spcBef>
+            </a:pPr>
+            <a:endParaRPr lang="en-US" sz="3200" dirty="0">
+              <a:solidFill>
+                <a:schemeClr val="tx1"/>
+              </a:solidFill>
+              <a:latin typeface="Helvetica Neue"/>
+            </a:endParaRPr>
+          </a:p>
+          <a:p>
+            <a:pPr marL="536575" indent="-536575">
+              <a:buFontTx/>
+              <a:buChar char="→"/>
+            </a:pPr>
+            <a:r>
+              <a:rPr lang="en-US" sz="3200" dirty="0" smtClean="0">
+                <a:solidFill>
+                  <a:schemeClr val="tx1"/>
+                </a:solidFill>
+                <a:latin typeface="Helvetica Neue"/>
+              </a:rPr>
+              <a:t>Measurement data from different tools and networks are used to form </a:t>
+            </a:r>
+            <a:r>
+              <a:rPr lang="en-US" sz="3200" b="1" dirty="0" smtClean="0">
+                <a:solidFill>
+                  <a:schemeClr val="tx1"/>
+                </a:solidFill>
+                <a:latin typeface="Helvetica Neue"/>
+              </a:rPr>
+              <a:t>maps </a:t>
+            </a:r>
+            <a:r>
+              <a:rPr lang="en-US" sz="3200" b="1" dirty="0">
+                <a:solidFill>
+                  <a:schemeClr val="tx1"/>
+                </a:solidFill>
+                <a:latin typeface="Helvetica Neue"/>
+              </a:rPr>
+              <a:t>of </a:t>
+            </a:r>
+            <a:r>
+              <a:rPr lang="en-US" sz="3200" b="1" dirty="0" err="1">
+                <a:solidFill>
+                  <a:schemeClr val="tx1"/>
+                </a:solidFill>
+                <a:latin typeface="Helvetica Neue"/>
+              </a:rPr>
+              <a:t>middlebox</a:t>
+            </a:r>
+            <a:r>
+              <a:rPr lang="en-US" sz="3200" b="1" dirty="0">
+                <a:solidFill>
+                  <a:schemeClr val="tx1"/>
+                </a:solidFill>
+                <a:latin typeface="Helvetica Neue"/>
+              </a:rPr>
+              <a:t> manipulation </a:t>
+            </a:r>
+            <a:r>
+              <a:rPr lang="en-US" sz="3200" dirty="0">
+                <a:solidFill>
+                  <a:schemeClr val="tx1"/>
+                </a:solidFill>
+                <a:latin typeface="Helvetica Neue"/>
+              </a:rPr>
+              <a:t>within the Internet </a:t>
+            </a:r>
+            <a:r>
+              <a:rPr lang="en-US" sz="3200" dirty="0" smtClean="0">
+                <a:solidFill>
+                  <a:schemeClr val="tx1"/>
+                </a:solidFill>
+                <a:latin typeface="Helvetica Neue"/>
+              </a:rPr>
+              <a:t>to provide </a:t>
+            </a:r>
+            <a:r>
+              <a:rPr lang="en-US" sz="3200" dirty="0">
+                <a:solidFill>
+                  <a:schemeClr val="tx1"/>
+                </a:solidFill>
+                <a:latin typeface="Helvetica Neue"/>
+              </a:rPr>
+              <a:t>background </a:t>
+            </a:r>
+            <a:r>
+              <a:rPr lang="en-US" sz="3200" dirty="0" smtClean="0">
+                <a:solidFill>
+                  <a:schemeClr val="tx1"/>
+                </a:solidFill>
+                <a:latin typeface="Helvetica Neue"/>
+              </a:rPr>
+              <a:t>for </a:t>
+            </a:r>
+            <a:r>
+              <a:rPr lang="en-US" sz="3200" dirty="0">
+                <a:solidFill>
+                  <a:schemeClr val="tx1"/>
+                </a:solidFill>
+                <a:latin typeface="Helvetica Neue"/>
+              </a:rPr>
+              <a:t>design decisions about </a:t>
+            </a:r>
+            <a:r>
+              <a:rPr lang="en-US" sz="3200" dirty="0" smtClean="0">
+                <a:solidFill>
+                  <a:schemeClr val="tx1"/>
+                </a:solidFill>
+                <a:latin typeface="Helvetica Neue"/>
+              </a:rPr>
+              <a:t/>
+            </a:r>
+            <a:br>
+              <a:rPr lang="en-US" sz="3200" dirty="0" smtClean="0">
+                <a:solidFill>
+                  <a:schemeClr val="tx1"/>
+                </a:solidFill>
+                <a:latin typeface="Helvetica Neue"/>
+              </a:rPr>
+            </a:br>
+            <a:r>
+              <a:rPr lang="en-US" sz="3200" b="1" dirty="0" smtClean="0">
+                <a:solidFill>
+                  <a:schemeClr val="tx1"/>
+                </a:solidFill>
+                <a:latin typeface="Helvetica Neue"/>
+              </a:rPr>
+              <a:t>protocol </a:t>
+            </a:r>
+            <a:r>
+              <a:rPr lang="en-US" sz="3200" b="1" dirty="0">
+                <a:solidFill>
+                  <a:schemeClr val="tx1"/>
+                </a:solidFill>
+                <a:latin typeface="Helvetica Neue"/>
+              </a:rPr>
+              <a:t>engineering and </a:t>
+            </a:r>
+            <a:r>
+              <a:rPr lang="en-US" sz="3200" b="1" dirty="0" smtClean="0">
+                <a:solidFill>
+                  <a:schemeClr val="tx1"/>
+                </a:solidFill>
+                <a:latin typeface="Helvetica Neue"/>
+              </a:rPr>
+              <a:t>evolution.</a:t>
+            </a:r>
+            <a:endParaRPr lang="de-DE" sz="3200" dirty="0">
+              <a:solidFill>
+                <a:schemeClr val="tx1"/>
+              </a:solidFill>
+              <a:latin typeface="Helvetica Neue"/>
+            </a:endParaRPr>
           </a:p>
         </p:txBody>
       </p:sp>
@@ -2166,31 +2504,67 @@
               </a:spcBef>
             </a:pPr>
             <a:r>
-              <a:rPr lang="en-US" sz="3200" dirty="0" smtClean="0">
-                <a:solidFill>
-                  <a:schemeClr val="tx1"/>
-                </a:solidFill>
-                <a:latin typeface="Helvetica Neue"/>
-              </a:rPr>
-              <a:t>Many </a:t>
-            </a:r>
-            <a:r>
-              <a:rPr lang="en-US" sz="3200" b="1" dirty="0" err="1" smtClean="0">
-                <a:solidFill>
-                  <a:schemeClr val="tx1"/>
-                </a:solidFill>
-                <a:latin typeface="Helvetica Neue"/>
-              </a:rPr>
-              <a:t>middleboxes</a:t>
-            </a:r>
-            <a:r>
-              <a:rPr lang="en-US" sz="3200" dirty="0" smtClean="0">
-                <a:solidFill>
-                  <a:schemeClr val="tx1"/>
-                </a:solidFill>
-                <a:latin typeface="Helvetica Neue"/>
-              </a:rPr>
-              <a:t> in current generation mobile networks [1]</a:t>
+              <a:rPr lang="en-US" sz="3200" dirty="0">
+                <a:solidFill>
+                  <a:schemeClr val="tx1"/>
+                </a:solidFill>
+                <a:latin typeface="Helvetica Neue"/>
+              </a:rPr>
+              <a:t>Current </a:t>
+            </a:r>
+            <a:r>
+              <a:rPr lang="en-US" sz="3200" dirty="0" smtClean="0">
+                <a:solidFill>
+                  <a:schemeClr val="tx1"/>
+                </a:solidFill>
+                <a:latin typeface="Helvetica Neue"/>
+              </a:rPr>
+              <a:t>generation of </a:t>
+            </a:r>
+            <a:r>
+              <a:rPr lang="en-US" sz="3200" dirty="0">
+                <a:solidFill>
+                  <a:schemeClr val="tx1"/>
+                </a:solidFill>
+                <a:latin typeface="Helvetica Neue"/>
+              </a:rPr>
+              <a:t>mobile networks use many </a:t>
+            </a:r>
+            <a:r>
+              <a:rPr lang="en-US" sz="3200" dirty="0" err="1" smtClean="0">
+                <a:solidFill>
+                  <a:schemeClr val="tx1"/>
+                </a:solidFill>
+                <a:latin typeface="Helvetica Neue"/>
+              </a:rPr>
+              <a:t>middeboxes</a:t>
+            </a:r>
+            <a:r>
+              <a:rPr lang="en-US" sz="3200" dirty="0" smtClean="0">
+                <a:solidFill>
+                  <a:schemeClr val="tx1"/>
+                </a:solidFill>
+                <a:latin typeface="Helvetica Neue"/>
+              </a:rPr>
+              <a:t> [</a:t>
+            </a:r>
+            <a:r>
+              <a:rPr lang="en-US" sz="3200" dirty="0">
+                <a:solidFill>
+                  <a:schemeClr val="tx1"/>
+                </a:solidFill>
+                <a:latin typeface="Helvetica Neue"/>
+              </a:rPr>
+              <a:t>1</a:t>
+            </a:r>
+            <a:r>
+              <a:rPr lang="en-US" sz="3200" dirty="0" smtClean="0">
+                <a:solidFill>
+                  <a:schemeClr val="tx1"/>
+                </a:solidFill>
+                <a:latin typeface="Helvetica Neue"/>
+              </a:rPr>
+              <a:t>]</a:t>
             </a:r>
           </a:p>
           <a:p>
@@ -2819,86 +3193,31 @@
                 </a:solidFill>
                 <a:latin typeface="Helvetica Neue"/>
               </a:rPr>
-              <a:t>design:</a:t>
-            </a:r>
-          </a:p>
-          <a:p>
-            <a:pPr marL="817563" indent="-536575">
-              <a:buFontTx/>
-              <a:buChar char="→"/>
-            </a:pPr>
-            <a:r>
-              <a:rPr lang="en-US" sz="3200" b="1" dirty="0">
-                <a:solidFill>
-                  <a:schemeClr val="tx1"/>
-                </a:solidFill>
-                <a:latin typeface="Helvetica Neue"/>
-              </a:rPr>
-              <a:t>Maps of </a:t>
-            </a:r>
-            <a:r>
-              <a:rPr lang="en-US" sz="3200" b="1" dirty="0" err="1">
-                <a:solidFill>
-                  <a:schemeClr val="tx1"/>
-                </a:solidFill>
-                <a:latin typeface="Helvetica Neue"/>
-              </a:rPr>
-              <a:t>middlebox</a:t>
-            </a:r>
-            <a:r>
-              <a:rPr lang="en-US" sz="3200" b="1" dirty="0">
-                <a:solidFill>
-                  <a:schemeClr val="tx1"/>
-                </a:solidFill>
-                <a:latin typeface="Helvetica Neue"/>
-              </a:rPr>
-              <a:t> manipulation </a:t>
-            </a:r>
-            <a:r>
-              <a:rPr lang="en-US" sz="3200" dirty="0">
-                <a:solidFill>
-                  <a:schemeClr val="tx1"/>
-                </a:solidFill>
-                <a:latin typeface="Helvetica Neue"/>
-              </a:rPr>
-              <a:t>within the Internet </a:t>
-            </a:r>
-            <a:r>
-              <a:rPr lang="en-US" sz="3200" dirty="0" smtClean="0">
-                <a:solidFill>
-                  <a:schemeClr val="tx1"/>
-                </a:solidFill>
-                <a:latin typeface="Helvetica Neue"/>
-              </a:rPr>
-              <a:t>provide </a:t>
-            </a:r>
-            <a:r>
-              <a:rPr lang="en-US" sz="3200" dirty="0">
-                <a:solidFill>
-                  <a:schemeClr val="tx1"/>
-                </a:solidFill>
-                <a:latin typeface="Helvetica Neue"/>
-              </a:rPr>
-              <a:t>background for design decisions about </a:t>
-            </a:r>
-            <a:r>
-              <a:rPr lang="en-US" sz="3200" b="1" dirty="0">
-                <a:solidFill>
-                  <a:schemeClr val="tx1"/>
-                </a:solidFill>
-                <a:latin typeface="Helvetica Neue"/>
-              </a:rPr>
-              <a:t>protocol engineering and evolution</a:t>
-            </a:r>
-            <a:r>
-              <a:rPr lang="en-US" sz="3200" dirty="0" smtClean="0">
-                <a:solidFill>
-                  <a:schemeClr val="tx1"/>
-                </a:solidFill>
-                <a:latin typeface="Helvetica Neue"/>
-              </a:rPr>
-              <a:t>.</a:t>
-            </a:r>
+              <a:t>design</a:t>
+            </a:r>
+            <a:r>
+              <a:rPr lang="en-US" sz="3200" dirty="0" smtClean="0">
+                <a:solidFill>
+                  <a:schemeClr val="tx1"/>
+                </a:solidFill>
+                <a:latin typeface="Helvetica Neue"/>
+              </a:rPr>
+              <a:t>:</a:t>
+            </a:r>
+            <a:endParaRPr lang="en-US" sz="3200" dirty="0" smtClean="0">
+              <a:solidFill>
+                <a:schemeClr val="tx1"/>
+              </a:solidFill>
+              <a:latin typeface="Helvetica Neue"/>
+            </a:endParaRPr>
+          </a:p>
+          <a:p>
+            <a:endParaRPr lang="de-DE" sz="3200" dirty="0" smtClean="0">
+              <a:solidFill>
+                <a:schemeClr val="tx1"/>
+              </a:solidFill>
+              <a:latin typeface="Helvetica Neue"/>
+            </a:endParaRPr>
           </a:p>
           <a:p>
             <a:endParaRPr lang="de-DE" sz="3200" dirty="0" smtClean="0">
@@ -3248,13 +3567,19 @@
               <a:rPr lang="en-US" sz="3200" b="1" dirty="0" err="1" smtClean="0">
                 <a:latin typeface="Helvetica Neue"/>
               </a:rPr>
-              <a:t>Kuühlewind</a:t>
+              <a:t>Kühlewind</a:t>
             </a:r>
             <a:r>
               <a:rPr lang="en-US" sz="3200" b="1" dirty="0" smtClean="0">
                 <a:latin typeface="Helvetica Neue"/>
               </a:rPr>
-              <a:t> (Networked </a:t>
+              <a:t> </a:t>
+            </a:r>
+            <a:r>
+              <a:rPr lang="en-US" sz="3200" b="1" dirty="0" smtClean="0">
+                <a:latin typeface="Helvetica Neue"/>
+              </a:rPr>
+              <a:t>(Networked </a:t>
             </a:r>
             <a:r>
               <a:rPr lang="en-US" sz="3200" b="1" dirty="0">
@@ -3714,9 +4039,83 @@
           </a:p>
         </p:txBody>
       </p:sp>
+      <p:sp>
+        <p:nvSpPr>
+          <p:cNvPr id="12" name="Textfeld 11"/>
+          <p:cNvSpPr txBox="1"/>
+          <p:nvPr/>
+        </p:nvSpPr>
+        <p:spPr>
+          <a:xfrm>
+            <a:off x="19467666" y="13599751"/>
+            <a:ext cx="6085705" cy="523220"/>
+          </a:xfrm>
+          <a:prstGeom prst="rect">
+            <a:avLst/>
+          </a:prstGeom>
+          <a:noFill/>
+        </p:spPr>
+        <p:txBody>
+          <a:bodyPr wrap="none" rtlCol="0">
+            <a:spAutoFit/>
+          </a:bodyPr>
+          <a:lstStyle/>
+          <a:p>
+            <a:r>
+              <a:rPr lang="de-DE" sz="2800" dirty="0" smtClean="0"/>
+              <a:t>A/B-</a:t>
+            </a:r>
+            <a:r>
+              <a:rPr lang="de-DE" sz="2800" dirty="0" err="1" smtClean="0"/>
+              <a:t>testing</a:t>
+            </a:r>
+            <a:r>
+              <a:rPr lang="de-DE" sz="2800" dirty="0" smtClean="0"/>
+              <a:t> </a:t>
+            </a:r>
+            <a:r>
+              <a:rPr lang="de-DE" sz="2800" dirty="0" err="1" smtClean="0"/>
+              <a:t>as</a:t>
+            </a:r>
+            <a:r>
+              <a:rPr lang="de-DE" sz="2800" dirty="0" smtClean="0"/>
+              <a:t> </a:t>
+            </a:r>
+            <a:r>
+              <a:rPr lang="de-DE" sz="2800" dirty="0" err="1" smtClean="0"/>
+              <a:t>performed</a:t>
+            </a:r>
+            <a:r>
+              <a:rPr lang="de-DE" sz="2800" dirty="0" smtClean="0"/>
+              <a:t> </a:t>
+            </a:r>
+            <a:r>
+              <a:rPr lang="de-DE" sz="2800" dirty="0" err="1" smtClean="0"/>
+              <a:t>by</a:t>
+            </a:r>
+            <a:r>
+              <a:rPr lang="de-DE" sz="2800" dirty="0" smtClean="0"/>
+              <a:t> </a:t>
+            </a:r>
+            <a:r>
+              <a:rPr lang="de-DE" sz="2800" dirty="0" err="1" smtClean="0"/>
+              <a:t>PATH</a:t>
+            </a:r>
+            <a:r>
+              <a:rPr lang="de-DE" sz="2800" dirty="0" err="1" smtClean="0">
+                <a:latin typeface="Bauhaus 93" panose="04030905020B02020C02" pitchFamily="82" charset="0"/>
+              </a:rPr>
+              <a:t>spider</a:t>
+            </a:r>
+            <a:endParaRPr lang="en-US" sz="2800" dirty="0">
+              <a:latin typeface="Bauhaus 93" panose="04030905020B02020C02" pitchFamily="82" charset="0"/>
+            </a:endParaRPr>
+          </a:p>
+        </p:txBody>
+      </p:sp>
       <p:pic>
         <p:nvPicPr>
-          <p:cNvPr id="11" name="Grafik 10"/>
+          <p:cNvPr id="14" name="Grafik 13"/>
           <p:cNvPicPr>
             <a:picLocks noChangeAspect="1"/>
           </p:cNvPicPr>
@@ -3736,91 +4135,17 @@
         </p:blipFill>
         <p:spPr>
           <a:xfrm>
-            <a:off x="19467666" y="10278023"/>
-            <a:ext cx="6162675" cy="2867025"/>
+            <a:off x="26249915" y="11263007"/>
+            <a:ext cx="2190750" cy="2190750"/>
           </a:xfrm>
           <a:prstGeom prst="rect">
             <a:avLst/>
           </a:prstGeom>
         </p:spPr>
       </p:pic>
-      <p:sp>
-        <p:nvSpPr>
-          <p:cNvPr id="12" name="Textfeld 11"/>
-          <p:cNvSpPr txBox="1"/>
-          <p:nvPr/>
-        </p:nvSpPr>
-        <p:spPr>
-          <a:xfrm>
-            <a:off x="19467666" y="13079028"/>
-            <a:ext cx="6085705" cy="523220"/>
-          </a:xfrm>
-          <a:prstGeom prst="rect">
-            <a:avLst/>
-          </a:prstGeom>
-          <a:noFill/>
-        </p:spPr>
-        <p:txBody>
-          <a:bodyPr wrap="none" rtlCol="0">
-            <a:spAutoFit/>
-          </a:bodyPr>
-          <a:lstStyle/>
-          <a:p>
-            <a:r>
-              <a:rPr lang="de-DE" sz="2800" dirty="0" smtClean="0"/>
-              <a:t>A/B-</a:t>
-            </a:r>
-            <a:r>
-              <a:rPr lang="de-DE" sz="2800" dirty="0" err="1" smtClean="0"/>
-              <a:t>testing</a:t>
-            </a:r>
-            <a:r>
-              <a:rPr lang="de-DE" sz="2800" dirty="0" smtClean="0"/>
-              <a:t> </a:t>
-            </a:r>
-            <a:r>
-              <a:rPr lang="de-DE" sz="2800" dirty="0" err="1" smtClean="0"/>
-              <a:t>as</a:t>
-            </a:r>
-            <a:r>
-              <a:rPr lang="de-DE" sz="2800" dirty="0" smtClean="0"/>
-              <a:t> </a:t>
-            </a:r>
-            <a:r>
-              <a:rPr lang="de-DE" sz="2800" dirty="0" err="1" smtClean="0"/>
-              <a:t>performed</a:t>
-            </a:r>
-            <a:r>
-              <a:rPr lang="de-DE" sz="2800" dirty="0" smtClean="0"/>
-              <a:t> </a:t>
-            </a:r>
-            <a:r>
-              <a:rPr lang="de-DE" sz="2800" dirty="0" err="1" smtClean="0"/>
-              <a:t>by</a:t>
-            </a:r>
-            <a:r>
-              <a:rPr lang="de-DE" sz="2800" dirty="0" smtClean="0"/>
-              <a:t> </a:t>
-            </a:r>
-            <a:r>
-              <a:rPr lang="de-DE" sz="2800" dirty="0" err="1" smtClean="0"/>
-              <a:t>PATH</a:t>
-            </a:r>
-            <a:r>
-              <a:rPr lang="de-DE" sz="2800" dirty="0" err="1" smtClean="0">
-                <a:latin typeface="Bauhaus 93" panose="04030905020B02020C02" pitchFamily="82" charset="0"/>
-              </a:rPr>
-              <a:t>spider</a:t>
-            </a:r>
-            <a:endParaRPr lang="en-US" sz="2800" dirty="0">
-              <a:latin typeface="Bauhaus 93" panose="04030905020B02020C02" pitchFamily="82" charset="0"/>
-            </a:endParaRPr>
-          </a:p>
-        </p:txBody>
-      </p:sp>
       <p:pic>
         <p:nvPicPr>
-          <p:cNvPr id="14" name="Grafik 13"/>
+          <p:cNvPr id="16" name="Grafik 15"/>
           <p:cNvPicPr>
             <a:picLocks noChangeAspect="1"/>
           </p:cNvPicPr>
@@ -3840,68 +4165,8 @@
         </p:blipFill>
         <p:spPr>
           <a:xfrm>
-            <a:off x="26249915" y="10616160"/>
-            <a:ext cx="2190750" cy="2190750"/>
-          </a:xfrm>
-          <a:prstGeom prst="rect">
-            <a:avLst/>
-          </a:prstGeom>
-        </p:spPr>
-      </p:pic>
-      <p:pic>
-        <p:nvPicPr>
-          <p:cNvPr id="16" name="Grafik 15"/>
-          <p:cNvPicPr>
-            <a:picLocks noChangeAspect="1"/>
-          </p:cNvPicPr>
-          <p:nvPr/>
-        </p:nvPicPr>
-        <p:blipFill>
-          <a:blip r:embed="rId14">
-            <a:extLst>
-              <a:ext uri="{28A0092B-C50C-407E-A947-70E740481C1C}">
-                <a14:useLocalDpi xmlns:a14="http://schemas.microsoft.com/office/drawing/2010/main" val="0"/>
-              </a:ext>
-            </a:extLst>
-          </a:blip>
-          <a:stretch>
-            <a:fillRect/>
-          </a:stretch>
-        </p:blipFill>
-        <p:spPr>
-          <a:xfrm>
-            <a:off x="25451311" y="17821964"/>
+            <a:off x="25635552" y="17805084"/>
             <a:ext cx="3419475" cy="2181225"/>
-          </a:xfrm>
-          <a:prstGeom prst="rect">
-            <a:avLst/>
-          </a:prstGeom>
-        </p:spPr>
-      </p:pic>
-      <p:pic>
-        <p:nvPicPr>
-          <p:cNvPr id="19" name="Grafik 18"/>
-          <p:cNvPicPr>
-            <a:picLocks noChangeAspect="1"/>
-          </p:cNvPicPr>
-          <p:nvPr/>
-        </p:nvPicPr>
-        <p:blipFill>
-          <a:blip r:embed="rId15">
-            <a:extLst>
-              <a:ext uri="{28A0092B-C50C-407E-A947-70E740481C1C}">
-                <a14:useLocalDpi xmlns:a14="http://schemas.microsoft.com/office/drawing/2010/main" val="0"/>
-              </a:ext>
-            </a:extLst>
-          </a:blip>
-          <a:stretch>
-            <a:fillRect/>
-          </a:stretch>
-        </p:blipFill>
-        <p:spPr>
-          <a:xfrm>
-            <a:off x="18576693" y="20902030"/>
-            <a:ext cx="8768597" cy="6477070"/>
           </a:xfrm>
           <a:prstGeom prst="rect">
             <a:avLst/>
@@ -3916,7 +4181,7 @@
         </p:nvSpPr>
         <p:spPr>
           <a:xfrm>
-            <a:off x="2238702" y="31528825"/>
+            <a:off x="2238702" y="31150453"/>
             <a:ext cx="12295937" cy="4832092"/>
           </a:xfrm>
           <a:prstGeom prst="rect">
@@ -4012,15 +4277,27 @@
               <a:buAutoNum type="arabicPeriod"/>
             </a:pPr>
             <a:r>
-              <a:rPr lang="en-US" sz="3200" dirty="0" smtClean="0">
-                <a:latin typeface="Helvetica Neue"/>
-              </a:rPr>
-              <a:t>Build-in support for in-network </a:t>
-            </a:r>
-            <a:r>
               <a:rPr lang="en-US" sz="3200" dirty="0">
                 <a:latin typeface="Helvetica Neue"/>
               </a:rPr>
+              <a:t>S</a:t>
+            </a:r>
+            <a:r>
+              <a:rPr lang="en-US" sz="3200" dirty="0" smtClean="0">
+                <a:latin typeface="Helvetica Neue"/>
+              </a:rPr>
+              <a:t>upport </a:t>
+            </a:r>
+            <a:r>
+              <a:rPr lang="en-US" sz="3200" dirty="0" smtClean="0">
+                <a:latin typeface="Helvetica Neue"/>
+              </a:rPr>
+              <a:t>for in-network </a:t>
+            </a:r>
+            <a:r>
+              <a:rPr lang="en-US" sz="3200" dirty="0">
+                <a:latin typeface="Helvetica Neue"/>
+              </a:rPr>
               <a:t>performance </a:t>
             </a:r>
             <a:r>
@@ -4073,7 +4350,13 @@
               <a:rPr lang="en-US" sz="3200" dirty="0" smtClean="0">
                 <a:latin typeface="Helvetica Neue"/>
               </a:rPr>
-              <a:t>network protocol </a:t>
+              <a:t>network </a:t>
+            </a:r>
+            <a:r>
+              <a:rPr lang="en-US" sz="3200" dirty="0" smtClean="0">
+                <a:latin typeface="Helvetica Neue"/>
+              </a:rPr>
+              <a:t>protocols </a:t>
             </a:r>
             <a:r>
               <a:rPr lang="en-US" sz="3200" dirty="0">
@@ -4133,7 +4416,7 @@
         </p:nvSpPr>
         <p:spPr>
           <a:xfrm>
-            <a:off x="15222191" y="31528825"/>
+            <a:off x="15222191" y="31150453"/>
             <a:ext cx="12961043" cy="4493538"/>
           </a:xfrm>
           <a:prstGeom prst="rect">
@@ -4257,6 +4540,66 @@
           </a:p>
         </p:txBody>
       </p:sp>
+      <p:pic>
+        <p:nvPicPr>
+          <p:cNvPr id="4" name="Grafik 3"/>
+          <p:cNvPicPr>
+            <a:picLocks noChangeAspect="1"/>
+          </p:cNvPicPr>
+          <p:nvPr/>
+        </p:nvPicPr>
+        <p:blipFill>
+          <a:blip r:embed="rId14" cstate="print">
+            <a:extLst>
+              <a:ext uri="{28A0092B-C50C-407E-A947-70E740481C1C}">
+                <a14:useLocalDpi xmlns:a14="http://schemas.microsoft.com/office/drawing/2010/main" val="0"/>
+              </a:ext>
+            </a:extLst>
+          </a:blip>
+          <a:stretch>
+            <a:fillRect/>
+          </a:stretch>
+        </p:blipFill>
+        <p:spPr>
+          <a:xfrm>
+            <a:off x="17679052" y="20759468"/>
+            <a:ext cx="9739904" cy="4482093"/>
+          </a:xfrm>
+          <a:prstGeom prst="rect">
+            <a:avLst/>
+          </a:prstGeom>
+        </p:spPr>
+      </p:pic>
+      <p:pic>
+        <p:nvPicPr>
+          <p:cNvPr id="17" name="Grafik 16"/>
+          <p:cNvPicPr>
+            <a:picLocks noChangeAspect="1"/>
+          </p:cNvPicPr>
+          <p:nvPr/>
+        </p:nvPicPr>
+        <p:blipFill>
+          <a:blip r:embed="rId15" cstate="print">
+            <a:extLst>
+              <a:ext uri="{28A0092B-C50C-407E-A947-70E740481C1C}">
+                <a14:useLocalDpi xmlns:a14="http://schemas.microsoft.com/office/drawing/2010/main" val="0"/>
+              </a:ext>
+            </a:extLst>
+          </a:blip>
+          <a:stretch>
+            <a:fillRect/>
+          </a:stretch>
+        </p:blipFill>
+        <p:spPr>
+          <a:xfrm>
+            <a:off x="18788773" y="10218268"/>
+            <a:ext cx="7443490" cy="3528106"/>
+          </a:xfrm>
+          <a:prstGeom prst="rect">
+            <a:avLst/>
+          </a:prstGeom>
+        </p:spPr>
+      </p:pic>
     </p:spTree>
     <p:extLst>
       <p:ext uri="{BB962C8B-B14F-4D97-AF65-F5344CB8AC3E}">

--- a/eucnc-june17/eucnc17-poster.pptx
+++ b/eucnc-june17/eucnc17-poster.pptx
@@ -2249,7 +2249,7 @@
             </a:endParaRPr>
           </a:p>
           <a:p>
-            <a:pPr marL="536575" indent="-536575">
+            <a:pPr marL="536575" indent="-536575" algn="ctr">
               <a:buFontTx/>
               <a:buChar char="→"/>
             </a:pPr>
@@ -2385,7 +2385,7 @@
                 </a:solidFill>
                 <a:latin typeface="Helvetica Neue"/>
               </a:rPr>
-              <a:t>evolution.</a:t>
+              <a:t>evolution</a:t>
             </a:r>
             <a:endParaRPr lang="de-DE" sz="3200" dirty="0">
               <a:solidFill>
@@ -2531,7 +2531,7 @@
               <a:t>mobile networks use many </a:t>
             </a:r>
             <a:r>
-              <a:rPr lang="en-US" sz="3200" dirty="0" err="1" smtClean="0">
+              <a:rPr lang="en-US" sz="3200" b="1" dirty="0" err="1" smtClean="0">
                 <a:solidFill>
                   <a:schemeClr val="tx1"/>
                 </a:solidFill>
@@ -2762,7 +2762,25 @@
                 </a:solidFill>
                 <a:latin typeface="Helvetica Neue"/>
               </a:rPr>
-              <a:t>Three driving forces presents a need for an architectural change:</a:t>
+              <a:t>Three driving forces </a:t>
+            </a:r>
+            <a:r>
+              <a:rPr lang="en-US" sz="3200" dirty="0" smtClean="0">
+                <a:solidFill>
+                  <a:schemeClr val="tx1"/>
+                </a:solidFill>
+                <a:latin typeface="Helvetica Neue"/>
+              </a:rPr>
+              <a:t>present </a:t>
+            </a:r>
+            <a:r>
+              <a:rPr lang="en-US" sz="3200" dirty="0">
+                <a:solidFill>
+                  <a:schemeClr val="tx1"/>
+                </a:solidFill>
+                <a:latin typeface="Helvetica Neue"/>
+              </a:rPr>
+              <a:t>a need for an architectural change:</a:t>
             </a:r>
             <a:endParaRPr lang="en-US" sz="3200" dirty="0" smtClean="0">
               <a:solidFill>
@@ -2845,6 +2863,19 @@
           </a:p>
           <a:p>
             <a:endParaRPr lang="de-DE" sz="3200" dirty="0">
+              <a:solidFill>
+                <a:schemeClr val="tx1"/>
+              </a:solidFill>
+              <a:latin typeface="Helvetica Neue"/>
+            </a:endParaRPr>
+          </a:p>
+          <a:p>
+            <a:pPr>
+              <a:spcBef>
+                <a:spcPts val="1200"/>
+              </a:spcBef>
+            </a:pPr>
+            <a:endParaRPr lang="en-US" sz="1000" dirty="0">
               <a:solidFill>
                 <a:schemeClr val="tx1"/>
               </a:solidFill>
@@ -2900,7 +2931,7 @@
                 </a:solidFill>
                 <a:latin typeface="Helvetica Neue"/>
               </a:rPr>
-              <a:t>What options exist to design new protocols with explicit support for certain in-network function? </a:t>
+              <a:t>What options exist to design new protocols with explicit support for certain in-network functions? </a:t>
             </a:r>
           </a:p>
           <a:p>
@@ -4135,7 +4166,7 @@
         </p:blipFill>
         <p:spPr>
           <a:xfrm>
-            <a:off x="26249915" y="11263007"/>
+            <a:off x="26643745" y="10886946"/>
             <a:ext cx="2190750" cy="2190750"/>
           </a:xfrm>
           <a:prstGeom prst="rect">
@@ -4505,7 +4536,30 @@
               <a:rPr lang="en-US" sz="3200" dirty="0">
                 <a:latin typeface="Helvetica Neue"/>
               </a:rPr>
-              <a:t>by the proposed mechanism to solve the identified problem, in this case in-network </a:t>
+              <a:t>by the proposed mechanism to solve the identified problem, </a:t>
+            </a:r>
+            <a:r>
+              <a:rPr lang="en-US" sz="3200" dirty="0" smtClean="0">
+                <a:latin typeface="Helvetica Neue"/>
+              </a:rPr>
+              <a:t/>
+            </a:r>
+            <a:br>
+              <a:rPr lang="en-US" sz="3200" dirty="0" smtClean="0">
+                <a:latin typeface="Helvetica Neue"/>
+              </a:rPr>
+            </a:br>
+            <a:r>
+              <a:rPr lang="en-US" sz="3200" dirty="0" smtClean="0">
+                <a:latin typeface="Helvetica Neue"/>
+              </a:rPr>
+              <a:t>in </a:t>
+            </a:r>
+            <a:r>
+              <a:rPr lang="en-US" sz="3200" dirty="0">
+                <a:latin typeface="Helvetica Neue"/>
+              </a:rPr>
+              <a:t>this case in-network </a:t>
             </a:r>
             <a:r>
               <a:rPr lang="en-US" sz="3200" dirty="0" smtClean="0">
@@ -4532,7 +4586,13 @@
               <a:rPr lang="en-US" sz="3200" dirty="0">
                 <a:latin typeface="Helvetica Neue"/>
               </a:rPr>
-              <a:t>encryption, but generally no requirement for explicit trust relationship with network devices.</a:t>
+              <a:t>encryption, but generally no requirement for explicit trust relationship with network </a:t>
+            </a:r>
+            <a:r>
+              <a:rPr lang="en-US" sz="3200" dirty="0" smtClean="0">
+                <a:latin typeface="Helvetica Neue"/>
+              </a:rPr>
+              <a:t>devices</a:t>
             </a:r>
             <a:endParaRPr lang="en-US" sz="3200" dirty="0">
               <a:latin typeface="Helvetica Neue"/>

--- a/eucnc-june17/eucnc17-poster.pptx
+++ b/eucnc-june17/eucnc17-poster.pptx
@@ -867,36 +867,6 @@
           </a:prstGeom>
         </p:spPr>
       </p:pic>
-      <p:pic>
-        <p:nvPicPr>
-          <p:cNvPr id="17" name="Grafik 16"/>
-          <p:cNvPicPr>
-            <a:picLocks noChangeAspect="1"/>
-          </p:cNvPicPr>
-          <p:nvPr userDrawn="1"/>
-        </p:nvPicPr>
-        <p:blipFill>
-          <a:blip r:embed="rId6">
-            <a:extLst>
-              <a:ext uri="{28A0092B-C50C-407E-A947-70E740481C1C}">
-                <a14:useLocalDpi xmlns:a14="http://schemas.microsoft.com/office/drawing/2010/main" val="0"/>
-              </a:ext>
-            </a:extLst>
-          </a:blip>
-          <a:stretch>
-            <a:fillRect/>
-          </a:stretch>
-        </p:blipFill>
-        <p:spPr>
-          <a:xfrm>
-            <a:off x="666000" y="422602"/>
-            <a:ext cx="6715125" cy="2771775"/>
-          </a:xfrm>
-          <a:prstGeom prst="rect">
-            <a:avLst/>
-          </a:prstGeom>
-        </p:spPr>
-      </p:pic>
       <p:sp>
         <p:nvSpPr>
           <p:cNvPr id="18" name="Textfeld 17"/>
@@ -905,7 +875,7 @@
         </p:nvSpPr>
         <p:spPr>
           <a:xfrm>
-            <a:off x="6915508" y="2180188"/>
+            <a:off x="6133277" y="2167962"/>
             <a:ext cx="16060807" cy="830997"/>
           </a:xfrm>
           <a:prstGeom prst="rect">
@@ -1035,6 +1005,36 @@
           </a:p>
         </p:txBody>
       </p:sp>
+      <p:pic>
+        <p:nvPicPr>
+          <p:cNvPr id="4" name="Grafik 3"/>
+          <p:cNvPicPr>
+            <a:picLocks noChangeAspect="1"/>
+          </p:cNvPicPr>
+          <p:nvPr userDrawn="1"/>
+        </p:nvPicPr>
+        <p:blipFill>
+          <a:blip r:embed="rId6" cstate="print">
+            <a:extLst>
+              <a:ext uri="{28A0092B-C50C-407E-A947-70E740481C1C}">
+                <a14:useLocalDpi xmlns:a14="http://schemas.microsoft.com/office/drawing/2010/main" val="0"/>
+              </a:ext>
+            </a:extLst>
+          </a:blip>
+          <a:stretch>
+            <a:fillRect/>
+          </a:stretch>
+        </p:blipFill>
+        <p:spPr>
+          <a:xfrm>
+            <a:off x="1166701" y="1010275"/>
+            <a:ext cx="5013970" cy="1801372"/>
+          </a:xfrm>
+          <a:prstGeom prst="rect">
+            <a:avLst/>
+          </a:prstGeom>
+        </p:spPr>
+      </p:pic>
     </p:spTree>
     <p:extLst>
       <p:ext uri="{BB962C8B-B14F-4D97-AF65-F5344CB8AC3E}">
@@ -1355,7 +1355,7 @@
       </p:grpSpPr>
       <p:pic>
         <p:nvPicPr>
-          <p:cNvPr id="30" name="Grafik 29"/>
+          <p:cNvPr id="21" name="Grafik 20"/>
           <p:cNvPicPr>
             <a:picLocks noChangeAspect="1"/>
           </p:cNvPicPr>
@@ -1375,8 +1375,8 @@
         </p:blipFill>
         <p:spPr>
           <a:xfrm>
-            <a:off x="8393231" y="34158078"/>
-            <a:ext cx="7173581" cy="2225233"/>
+            <a:off x="8497541" y="34157641"/>
+            <a:ext cx="6724650" cy="2085975"/>
           </a:xfrm>
           <a:prstGeom prst="rect">
             <a:avLst/>
@@ -2396,35 +2396,6 @@
           </a:p>
         </p:txBody>
       </p:sp>
-      <p:pic>
-        <p:nvPicPr>
-          <p:cNvPr id="46" name="image5.png"/>
-          <p:cNvPicPr>
-            <a:picLocks noChangeAspect="1"/>
-          </p:cNvPicPr>
-          <p:nvPr/>
-        </p:nvPicPr>
-        <p:blipFill>
-          <a:blip r:embed="rId8">
-            <a:extLst/>
-          </a:blip>
-          <a:stretch>
-            <a:fillRect/>
-          </a:stretch>
-        </p:blipFill>
-        <p:spPr>
-          <a:xfrm>
-            <a:off x="27706189" y="6386320"/>
-            <a:ext cx="2190750" cy="2190750"/>
-          </a:xfrm>
-          <a:prstGeom prst="rect">
-            <a:avLst/>
-          </a:prstGeom>
-          <a:ln w="12700">
-            <a:miter lim="400000"/>
-          </a:ln>
-        </p:spPr>
-      </p:pic>
       <p:sp>
         <p:nvSpPr>
           <p:cNvPr id="47" name="Abgerundetes Rechteck 46"/>
@@ -2771,7 +2742,7 @@
                 </a:solidFill>
                 <a:latin typeface="Helvetica Neue"/>
               </a:rPr>
-              <a:t>present </a:t>
+              <a:t>demand a </a:t>
             </a:r>
             <a:r>
               <a:rPr lang="en-US" sz="3200" dirty="0">
@@ -2780,7 +2751,7 @@
                 </a:solidFill>
                 <a:latin typeface="Helvetica Neue"/>
               </a:rPr>
-              <a:t>a need for an architectural change:</a:t>
+              <a:t>need for an architectural change:</a:t>
             </a:r>
             <a:endParaRPr lang="en-US" sz="3200" dirty="0" smtClean="0">
               <a:solidFill>
@@ -3139,7 +3110,7 @@
         <p:spPr>
           <a:xfrm>
             <a:off x="1214640" y="29155832"/>
-            <a:ext cx="27656146" cy="8855242"/>
+            <a:ext cx="27994364" cy="8855242"/>
           </a:xfrm>
           <a:prstGeom prst="roundRect">
             <a:avLst>
@@ -3444,7 +3415,7 @@
                   <a:schemeClr val="tx1"/>
                 </a:solidFill>
                 <a:latin typeface="Helvetica Neue"/>
-                <a:hlinkClick r:id="rId9"/>
+                <a:hlinkClick r:id="rId8"/>
               </a:rPr>
               <a:t>https://datatracker.ietf.org/doc/draft-trammell-plus-spec</a:t>
             </a:r>
@@ -3454,7 +3425,7 @@
                   <a:schemeClr val="tx1"/>
                 </a:solidFill>
                 <a:latin typeface="Helvetica Neue"/>
-                <a:hlinkClick r:id="rId9"/>
+                <a:hlinkClick r:id="rId8"/>
               </a:rPr>
               <a:t>/</a:t>
             </a:r>
@@ -3476,35 +3447,6 @@
           </a:p>
         </p:txBody>
       </p:sp>
-      <p:pic>
-        <p:nvPicPr>
-          <p:cNvPr id="48" name="image6.png"/>
-          <p:cNvPicPr>
-            <a:picLocks noChangeAspect="1"/>
-          </p:cNvPicPr>
-          <p:nvPr/>
-        </p:nvPicPr>
-        <p:blipFill>
-          <a:blip r:embed="rId10">
-            <a:extLst/>
-          </a:blip>
-          <a:stretch>
-            <a:fillRect/>
-          </a:stretch>
-        </p:blipFill>
-        <p:spPr>
-          <a:xfrm>
-            <a:off x="27345290" y="28698632"/>
-            <a:ext cx="2190750" cy="2190750"/>
-          </a:xfrm>
-          <a:prstGeom prst="rect">
-            <a:avLst/>
-          </a:prstGeom>
-          <a:ln w="12700">
-            <a:miter lim="400000"/>
-          </a:ln>
-        </p:spPr>
-      </p:pic>
       <p:sp>
         <p:nvSpPr>
           <p:cNvPr id="20" name="Titel 1"/>
@@ -3805,7 +3747,7 @@
             <p:nvPr/>
           </p:nvPicPr>
           <p:blipFill>
-            <a:blip r:embed="rId11"/>
+            <a:blip r:embed="rId9"/>
             <a:stretch>
               <a:fillRect/>
             </a:stretch>
@@ -4144,66 +4086,6 @@
           </a:p>
         </p:txBody>
       </p:sp>
-      <p:pic>
-        <p:nvPicPr>
-          <p:cNvPr id="14" name="Grafik 13"/>
-          <p:cNvPicPr>
-            <a:picLocks noChangeAspect="1"/>
-          </p:cNvPicPr>
-          <p:nvPr/>
-        </p:nvPicPr>
-        <p:blipFill>
-          <a:blip r:embed="rId12">
-            <a:extLst>
-              <a:ext uri="{28A0092B-C50C-407E-A947-70E740481C1C}">
-                <a14:useLocalDpi xmlns:a14="http://schemas.microsoft.com/office/drawing/2010/main" val="0"/>
-              </a:ext>
-            </a:extLst>
-          </a:blip>
-          <a:stretch>
-            <a:fillRect/>
-          </a:stretch>
-        </p:blipFill>
-        <p:spPr>
-          <a:xfrm>
-            <a:off x="26643745" y="10886946"/>
-            <a:ext cx="2190750" cy="2190750"/>
-          </a:xfrm>
-          <a:prstGeom prst="rect">
-            <a:avLst/>
-          </a:prstGeom>
-        </p:spPr>
-      </p:pic>
-      <p:pic>
-        <p:nvPicPr>
-          <p:cNvPr id="16" name="Grafik 15"/>
-          <p:cNvPicPr>
-            <a:picLocks noChangeAspect="1"/>
-          </p:cNvPicPr>
-          <p:nvPr/>
-        </p:nvPicPr>
-        <p:blipFill>
-          <a:blip r:embed="rId13">
-            <a:extLst>
-              <a:ext uri="{28A0092B-C50C-407E-A947-70E740481C1C}">
-                <a14:useLocalDpi xmlns:a14="http://schemas.microsoft.com/office/drawing/2010/main" val="0"/>
-              </a:ext>
-            </a:extLst>
-          </a:blip>
-          <a:stretch>
-            <a:fillRect/>
-          </a:stretch>
-        </p:blipFill>
-        <p:spPr>
-          <a:xfrm>
-            <a:off x="25635552" y="17805084"/>
-            <a:ext cx="3419475" cy="2181225"/>
-          </a:xfrm>
-          <a:prstGeom prst="rect">
-            <a:avLst/>
-          </a:prstGeom>
-        </p:spPr>
-      </p:pic>
       <p:sp>
         <p:nvSpPr>
           <p:cNvPr id="24" name="Textfeld 23"/>
@@ -4609,7 +4491,7 @@
           <p:nvPr/>
         </p:nvPicPr>
         <p:blipFill>
-          <a:blip r:embed="rId14" cstate="print">
+          <a:blip r:embed="rId10" cstate="print">
             <a:extLst>
               <a:ext uri="{28A0092B-C50C-407E-A947-70E740481C1C}">
                 <a14:useLocalDpi xmlns:a14="http://schemas.microsoft.com/office/drawing/2010/main" val="0"/>
@@ -4639,7 +4521,7 @@
           <p:nvPr/>
         </p:nvPicPr>
         <p:blipFill>
-          <a:blip r:embed="rId15" cstate="print">
+          <a:blip r:embed="rId11" cstate="print">
             <a:extLst>
               <a:ext uri="{28A0092B-C50C-407E-A947-70E740481C1C}">
                 <a14:useLocalDpi xmlns:a14="http://schemas.microsoft.com/office/drawing/2010/main" val="0"/>
@@ -4654,6 +4536,126 @@
           <a:xfrm>
             <a:off x="18788773" y="10218268"/>
             <a:ext cx="7443490" cy="3528106"/>
+          </a:xfrm>
+          <a:prstGeom prst="rect">
+            <a:avLst/>
+          </a:prstGeom>
+        </p:spPr>
+      </p:pic>
+      <p:pic>
+        <p:nvPicPr>
+          <p:cNvPr id="22" name="Grafik 21"/>
+          <p:cNvPicPr>
+            <a:picLocks noChangeAspect="1"/>
+          </p:cNvPicPr>
+          <p:nvPr/>
+        </p:nvPicPr>
+        <p:blipFill>
+          <a:blip r:embed="rId12">
+            <a:extLst>
+              <a:ext uri="{28A0092B-C50C-407E-A947-70E740481C1C}">
+                <a14:useLocalDpi xmlns:a14="http://schemas.microsoft.com/office/drawing/2010/main" val="0"/>
+              </a:ext>
+            </a:extLst>
+          </a:blip>
+          <a:stretch>
+            <a:fillRect/>
+          </a:stretch>
+        </p:blipFill>
+        <p:spPr>
+          <a:xfrm>
+            <a:off x="25555781" y="17783678"/>
+            <a:ext cx="3419475" cy="2181225"/>
+          </a:xfrm>
+          <a:prstGeom prst="rect">
+            <a:avLst/>
+          </a:prstGeom>
+        </p:spPr>
+      </p:pic>
+      <p:pic>
+        <p:nvPicPr>
+          <p:cNvPr id="23" name="Grafik 22"/>
+          <p:cNvPicPr>
+            <a:picLocks noChangeAspect="1"/>
+          </p:cNvPicPr>
+          <p:nvPr/>
+        </p:nvPicPr>
+        <p:blipFill>
+          <a:blip r:embed="rId13">
+            <a:extLst>
+              <a:ext uri="{28A0092B-C50C-407E-A947-70E740481C1C}">
+                <a14:useLocalDpi xmlns:a14="http://schemas.microsoft.com/office/drawing/2010/main" val="0"/>
+              </a:ext>
+            </a:extLst>
+          </a:blip>
+          <a:stretch>
+            <a:fillRect/>
+          </a:stretch>
+        </p:blipFill>
+        <p:spPr>
+          <a:xfrm>
+            <a:off x="26439477" y="10813820"/>
+            <a:ext cx="2337002" cy="2337002"/>
+          </a:xfrm>
+          <a:prstGeom prst="rect">
+            <a:avLst/>
+          </a:prstGeom>
+        </p:spPr>
+      </p:pic>
+      <p:pic>
+        <p:nvPicPr>
+          <p:cNvPr id="31" name="Grafik 30"/>
+          <p:cNvPicPr>
+            <a:picLocks noChangeAspect="1"/>
+          </p:cNvPicPr>
+          <p:nvPr/>
+        </p:nvPicPr>
+        <p:blipFill>
+          <a:blip r:embed="rId14">
+            <a:extLst>
+              <a:ext uri="{28A0092B-C50C-407E-A947-70E740481C1C}">
+                <a14:useLocalDpi xmlns:a14="http://schemas.microsoft.com/office/drawing/2010/main" val="0"/>
+              </a:ext>
+            </a:extLst>
+          </a:blip>
+          <a:stretch>
+            <a:fillRect/>
+          </a:stretch>
+        </p:blipFill>
+        <p:spPr>
+          <a:xfrm>
+            <a:off x="27705600" y="6386400"/>
+            <a:ext cx="2337002" cy="2337002"/>
+          </a:xfrm>
+          <a:prstGeom prst="rect">
+            <a:avLst/>
+          </a:prstGeom>
+        </p:spPr>
+      </p:pic>
+      <p:pic>
+        <p:nvPicPr>
+          <p:cNvPr id="33" name="Grafik 32"/>
+          <p:cNvPicPr>
+            <a:picLocks noChangeAspect="1"/>
+          </p:cNvPicPr>
+          <p:nvPr/>
+        </p:nvPicPr>
+        <p:blipFill>
+          <a:blip r:embed="rId15">
+            <a:extLst>
+              <a:ext uri="{28A0092B-C50C-407E-A947-70E740481C1C}">
+                <a14:useLocalDpi xmlns:a14="http://schemas.microsoft.com/office/drawing/2010/main" val="0"/>
+              </a:ext>
+            </a:extLst>
+          </a:blip>
+          <a:stretch>
+            <a:fillRect/>
+          </a:stretch>
+        </p:blipFill>
+        <p:spPr>
+          <a:xfrm>
+            <a:off x="27705600" y="28699200"/>
+            <a:ext cx="2337002" cy="2337002"/>
           </a:xfrm>
           <a:prstGeom prst="rect">
             <a:avLst/>
